--- a/Final Project/OOAD 個人計帳本.pptx
+++ b/Final Project/OOAD 個人計帳本.pptx
@@ -5,17 +5,16 @@
     <p:sldMasterId id="2147483677" r:id="rId1"/>
   </p:sldMasterIdLst>
   <p:notesMasterIdLst>
-    <p:notesMasterId r:id="rId10"/>
+    <p:notesMasterId r:id="rId9"/>
   </p:notesMasterIdLst>
   <p:sldIdLst>
     <p:sldId id="256" r:id="rId2"/>
     <p:sldId id="258" r:id="rId3"/>
     <p:sldId id="257" r:id="rId4"/>
-    <p:sldId id="259" r:id="rId5"/>
-    <p:sldId id="260" r:id="rId6"/>
-    <p:sldId id="261" r:id="rId7"/>
-    <p:sldId id="263" r:id="rId8"/>
-    <p:sldId id="262" r:id="rId9"/>
+    <p:sldId id="262" r:id="rId5"/>
+    <p:sldId id="263" r:id="rId6"/>
+    <p:sldId id="265" r:id="rId7"/>
+    <p:sldId id="264" r:id="rId8"/>
   </p:sldIdLst>
   <p:sldSz cx="12192000" cy="6858000"/>
   <p:notesSz cx="6858000" cy="9144000"/>
@@ -204,7 +203,7 @@
           <a:p>
             <a:fld id="{B7855644-157A-48BA-AA9F-3B70CFAE0B13}" type="datetimeFigureOut">
               <a:rPr lang="zh-TW" altLang="en-US" smtClean="0"/>
-              <a:t>2018/5/25</a:t>
+              <a:t>2018/5/27</a:t>
             </a:fld>
             <a:endParaRPr lang="zh-TW" altLang="en-US"/>
           </a:p>
@@ -1217,7 +1216,7 @@
           <a:p>
             <a:fld id="{0065439B-5770-4358-80E9-D14507D9ABFD}" type="datetime1">
               <a:rPr lang="zh-TW" altLang="en-US" smtClean="0"/>
-              <a:t>2018/5/25</a:t>
+              <a:t>2018/5/27</a:t>
             </a:fld>
             <a:endParaRPr lang="zh-TW" altLang="en-US"/>
           </a:p>
@@ -1468,7 +1467,7 @@
           <a:p>
             <a:fld id="{8A112D44-F68F-411D-91E3-905FAE8B9295}" type="datetime1">
               <a:rPr lang="zh-TW" altLang="en-US" smtClean="0"/>
-              <a:t>2018/5/25</a:t>
+              <a:t>2018/5/27</a:t>
             </a:fld>
             <a:endParaRPr lang="zh-TW" altLang="en-US"/>
           </a:p>
@@ -1782,7 +1781,7 @@
           <a:p>
             <a:fld id="{9B04C281-8038-47E3-B0E9-2CD6CA8F04BB}" type="datetime1">
               <a:rPr lang="zh-TW" altLang="en-US" smtClean="0"/>
-              <a:t>2018/5/25</a:t>
+              <a:t>2018/5/27</a:t>
             </a:fld>
             <a:endParaRPr lang="zh-TW" altLang="en-US"/>
           </a:p>
@@ -2115,7 +2114,7 @@
           <a:p>
             <a:fld id="{2C2C96A7-6870-48C8-B80C-655AF75FA573}" type="datetime1">
               <a:rPr lang="zh-TW" altLang="en-US" smtClean="0"/>
-              <a:t>2018/5/25</a:t>
+              <a:t>2018/5/27</a:t>
             </a:fld>
             <a:endParaRPr lang="zh-TW" altLang="en-US"/>
           </a:p>
@@ -2429,7 +2428,7 @@
           <a:p>
             <a:fld id="{C5A80E2F-91C2-438D-BB4D-6BD72E415AF8}" type="datetime1">
               <a:rPr lang="zh-TW" altLang="en-US" smtClean="0"/>
-              <a:t>2018/5/25</a:t>
+              <a:t>2018/5/27</a:t>
             </a:fld>
             <a:endParaRPr lang="zh-TW" altLang="en-US"/>
           </a:p>
@@ -2822,7 +2821,7 @@
           <a:p>
             <a:fld id="{F748B586-F007-469D-802F-B52F01B80FD1}" type="datetime1">
               <a:rPr lang="zh-TW" altLang="en-US" smtClean="0"/>
-              <a:t>2018/5/25</a:t>
+              <a:t>2018/5/27</a:t>
             </a:fld>
             <a:endParaRPr lang="zh-TW" altLang="en-US"/>
           </a:p>
@@ -2992,7 +2991,7 @@
           <a:p>
             <a:fld id="{56D8E448-CE9B-49B6-BE3E-6A7F90B1B975}" type="datetime1">
               <a:rPr lang="zh-TW" altLang="en-US" smtClean="0"/>
-              <a:t>2018/5/25</a:t>
+              <a:t>2018/5/27</a:t>
             </a:fld>
             <a:endParaRPr lang="zh-TW" altLang="en-US"/>
           </a:p>
@@ -3172,7 +3171,7 @@
           <a:p>
             <a:fld id="{04E46534-6C03-48A0-8363-FFEF7B9DFDA5}" type="datetime1">
               <a:rPr lang="zh-TW" altLang="en-US" smtClean="0"/>
-              <a:t>2018/5/25</a:t>
+              <a:t>2018/5/27</a:t>
             </a:fld>
             <a:endParaRPr lang="zh-TW" altLang="en-US"/>
           </a:p>
@@ -3342,7 +3341,7 @@
           <a:p>
             <a:fld id="{E2FB7732-8552-48D7-AB19-663AE4C6BAD8}" type="datetime1">
               <a:rPr lang="zh-TW" altLang="en-US" smtClean="0"/>
-              <a:t>2018/5/25</a:t>
+              <a:t>2018/5/27</a:t>
             </a:fld>
             <a:endParaRPr lang="zh-TW" altLang="en-US"/>
           </a:p>
@@ -3589,7 +3588,7 @@
           <a:p>
             <a:fld id="{4BE79985-6A69-47F2-AB8C-90D027F12DAC}" type="datetime1">
               <a:rPr lang="zh-TW" altLang="en-US" smtClean="0"/>
-              <a:t>2018/5/25</a:t>
+              <a:t>2018/5/27</a:t>
             </a:fld>
             <a:endParaRPr lang="zh-TW" altLang="en-US"/>
           </a:p>
@@ -3821,7 +3820,7 @@
           <a:p>
             <a:fld id="{30009ED8-06E6-407B-A0D8-556BDFA1F7B9}" type="datetime1">
               <a:rPr lang="zh-TW" altLang="en-US" smtClean="0"/>
-              <a:t>2018/5/25</a:t>
+              <a:t>2018/5/27</a:t>
             </a:fld>
             <a:endParaRPr lang="zh-TW" altLang="en-US"/>
           </a:p>
@@ -4195,7 +4194,7 @@
           <a:p>
             <a:fld id="{9139F7D5-649C-4E2E-B05D-7065C0EC4EB1}" type="datetime1">
               <a:rPr lang="zh-TW" altLang="en-US" smtClean="0"/>
-              <a:t>2018/5/25</a:t>
+              <a:t>2018/5/27</a:t>
             </a:fld>
             <a:endParaRPr lang="zh-TW" altLang="en-US"/>
           </a:p>
@@ -4318,7 +4317,7 @@
           <a:p>
             <a:fld id="{37DF5A04-0254-42B5-B872-599F314010AF}" type="datetime1">
               <a:rPr lang="zh-TW" altLang="en-US" smtClean="0"/>
-              <a:t>2018/5/25</a:t>
+              <a:t>2018/5/27</a:t>
             </a:fld>
             <a:endParaRPr lang="zh-TW" altLang="en-US"/>
           </a:p>
@@ -4413,7 +4412,7 @@
           <a:p>
             <a:fld id="{FEBAA782-19DB-4714-9D40-8EE91DA9C1FB}" type="datetime1">
               <a:rPr lang="zh-TW" altLang="en-US" smtClean="0"/>
-              <a:t>2018/5/25</a:t>
+              <a:t>2018/5/27</a:t>
             </a:fld>
             <a:endParaRPr lang="zh-TW" altLang="en-US"/>
           </a:p>
@@ -4668,7 +4667,7 @@
           <a:p>
             <a:fld id="{AED46685-A97D-4A30-A84C-BC67BB163B2E}" type="datetime1">
               <a:rPr lang="zh-TW" altLang="en-US" smtClean="0"/>
-              <a:t>2018/5/25</a:t>
+              <a:t>2018/5/27</a:t>
             </a:fld>
             <a:endParaRPr lang="zh-TW" altLang="en-US"/>
           </a:p>
@@ -4973,7 +4972,7 @@
           <a:p>
             <a:fld id="{6698AAD7-0742-49DA-ACDA-360252B342B4}" type="datetime1">
               <a:rPr lang="zh-TW" altLang="en-US" smtClean="0"/>
-              <a:t>2018/5/25</a:t>
+              <a:t>2018/5/27</a:t>
             </a:fld>
             <a:endParaRPr lang="zh-TW" altLang="en-US"/>
           </a:p>
@@ -5675,7 +5674,7 @@
           <a:p>
             <a:fld id="{A0C47ABA-D6B6-4947-AED4-74A9E5A5AAD8}" type="datetime1">
               <a:rPr lang="zh-TW" altLang="en-US" smtClean="0"/>
-              <a:t>2018/5/25</a:t>
+              <a:t>2018/5/27</a:t>
             </a:fld>
             <a:endParaRPr lang="zh-TW" altLang="en-US"/>
           </a:p>
@@ -6471,11 +6470,7 @@
             </a:r>
             <a:r>
               <a:rPr lang="zh-TW" altLang="en-US" sz="2400" dirty="0" smtClean="0"/>
-              <a:t>，</a:t>
-            </a:r>
-            <a:r>
-              <a:rPr lang="zh-TW" altLang="en-US" sz="2400" dirty="0" smtClean="0"/>
-              <a:t>所以看書、找資料熟悉。</a:t>
+              <a:t>，所以看書、找資料熟悉。</a:t>
             </a:r>
             <a:endParaRPr lang="en-US" altLang="zh-TW" sz="2400" dirty="0" smtClean="0"/>
           </a:p>
@@ -6561,730 +6556,6 @@
           <a:chExt cx="0" cy="0"/>
         </a:xfrm>
       </p:grpSpPr>
-      <p:sp>
-        <p:nvSpPr>
-          <p:cNvPr id="54" name="橢圓 53"/>
-          <p:cNvSpPr/>
-          <p:nvPr/>
-        </p:nvSpPr>
-        <p:spPr>
-          <a:xfrm>
-            <a:off x="10102977" y="1720315"/>
-            <a:ext cx="1747647" cy="649224"/>
-          </a:xfrm>
-          <a:prstGeom prst="ellipse">
-            <a:avLst/>
-          </a:prstGeom>
-        </p:spPr>
-        <p:style>
-          <a:lnRef idx="2">
-            <a:schemeClr val="accent3">
-              <a:shade val="50000"/>
-            </a:schemeClr>
-          </a:lnRef>
-          <a:fillRef idx="1">
-            <a:schemeClr val="accent3"/>
-          </a:fillRef>
-          <a:effectRef idx="0">
-            <a:schemeClr val="accent3"/>
-          </a:effectRef>
-          <a:fontRef idx="minor">
-            <a:schemeClr val="lt1"/>
-          </a:fontRef>
-        </p:style>
-        <p:txBody>
-          <a:bodyPr rtlCol="0" anchor="ctr"/>
-          <a:lstStyle/>
-          <a:p>
-            <a:pPr algn="ctr"/>
-            <a:endParaRPr lang="zh-TW" altLang="en-US"/>
-          </a:p>
-        </p:txBody>
-      </p:sp>
-      <p:sp>
-        <p:nvSpPr>
-          <p:cNvPr id="51" name="橢圓 50"/>
-          <p:cNvSpPr/>
-          <p:nvPr/>
-        </p:nvSpPr>
-        <p:spPr>
-          <a:xfrm>
-            <a:off x="10085832" y="948914"/>
-            <a:ext cx="1747647" cy="649224"/>
-          </a:xfrm>
-          <a:prstGeom prst="ellipse">
-            <a:avLst/>
-          </a:prstGeom>
-        </p:spPr>
-        <p:style>
-          <a:lnRef idx="2">
-            <a:schemeClr val="accent3">
-              <a:shade val="50000"/>
-            </a:schemeClr>
-          </a:lnRef>
-          <a:fillRef idx="1">
-            <a:schemeClr val="accent3"/>
-          </a:fillRef>
-          <a:effectRef idx="0">
-            <a:schemeClr val="accent3"/>
-          </a:effectRef>
-          <a:fontRef idx="minor">
-            <a:schemeClr val="lt1"/>
-          </a:fontRef>
-        </p:style>
-        <p:txBody>
-          <a:bodyPr rtlCol="0" anchor="ctr"/>
-          <a:lstStyle/>
-          <a:p>
-            <a:pPr algn="ctr"/>
-            <a:endParaRPr lang="zh-TW" altLang="en-US"/>
-          </a:p>
-        </p:txBody>
-      </p:sp>
-      <p:sp>
-        <p:nvSpPr>
-          <p:cNvPr id="34" name="橢圓 33"/>
-          <p:cNvSpPr/>
-          <p:nvPr/>
-        </p:nvSpPr>
-        <p:spPr>
-          <a:xfrm>
-            <a:off x="6268783" y="5716085"/>
-            <a:ext cx="1747647" cy="649224"/>
-          </a:xfrm>
-          <a:prstGeom prst="ellipse">
-            <a:avLst/>
-          </a:prstGeom>
-        </p:spPr>
-        <p:style>
-          <a:lnRef idx="2">
-            <a:schemeClr val="accent3">
-              <a:shade val="50000"/>
-            </a:schemeClr>
-          </a:lnRef>
-          <a:fillRef idx="1">
-            <a:schemeClr val="accent3"/>
-          </a:fillRef>
-          <a:effectRef idx="0">
-            <a:schemeClr val="accent3"/>
-          </a:effectRef>
-          <a:fontRef idx="minor">
-            <a:schemeClr val="lt1"/>
-          </a:fontRef>
-        </p:style>
-        <p:txBody>
-          <a:bodyPr rtlCol="0" anchor="ctr"/>
-          <a:lstStyle/>
-          <a:p>
-            <a:pPr algn="ctr"/>
-            <a:endParaRPr lang="zh-TW" altLang="en-US"/>
-          </a:p>
-        </p:txBody>
-      </p:sp>
-      <p:sp>
-        <p:nvSpPr>
-          <p:cNvPr id="33" name="橢圓 32"/>
-          <p:cNvSpPr/>
-          <p:nvPr/>
-        </p:nvSpPr>
-        <p:spPr>
-          <a:xfrm>
-            <a:off x="5625274" y="4135133"/>
-            <a:ext cx="3119247" cy="722376"/>
-          </a:xfrm>
-          <a:prstGeom prst="ellipse">
-            <a:avLst/>
-          </a:prstGeom>
-        </p:spPr>
-        <p:style>
-          <a:lnRef idx="2">
-            <a:schemeClr val="accent3">
-              <a:shade val="50000"/>
-            </a:schemeClr>
-          </a:lnRef>
-          <a:fillRef idx="1">
-            <a:schemeClr val="accent3"/>
-          </a:fillRef>
-          <a:effectRef idx="0">
-            <a:schemeClr val="accent3"/>
-          </a:effectRef>
-          <a:fontRef idx="minor">
-            <a:schemeClr val="lt1"/>
-          </a:fontRef>
-        </p:style>
-        <p:txBody>
-          <a:bodyPr rtlCol="0" anchor="ctr"/>
-          <a:lstStyle/>
-          <a:p>
-            <a:pPr algn="ctr"/>
-            <a:endParaRPr lang="zh-TW" altLang="en-US"/>
-          </a:p>
-        </p:txBody>
-      </p:sp>
-      <p:sp>
-        <p:nvSpPr>
-          <p:cNvPr id="32" name="橢圓 31"/>
-          <p:cNvSpPr/>
-          <p:nvPr/>
-        </p:nvSpPr>
-        <p:spPr>
-          <a:xfrm>
-            <a:off x="5617273" y="3308081"/>
-            <a:ext cx="3119247" cy="722376"/>
-          </a:xfrm>
-          <a:prstGeom prst="ellipse">
-            <a:avLst/>
-          </a:prstGeom>
-        </p:spPr>
-        <p:style>
-          <a:lnRef idx="2">
-            <a:schemeClr val="accent3">
-              <a:shade val="50000"/>
-            </a:schemeClr>
-          </a:lnRef>
-          <a:fillRef idx="1">
-            <a:schemeClr val="accent3"/>
-          </a:fillRef>
-          <a:effectRef idx="0">
-            <a:schemeClr val="accent3"/>
-          </a:effectRef>
-          <a:fontRef idx="minor">
-            <a:schemeClr val="lt1"/>
-          </a:fontRef>
-        </p:style>
-        <p:txBody>
-          <a:bodyPr rtlCol="0" anchor="ctr"/>
-          <a:lstStyle/>
-          <a:p>
-            <a:pPr algn="ctr"/>
-            <a:endParaRPr lang="zh-TW" altLang="en-US"/>
-          </a:p>
-        </p:txBody>
-      </p:sp>
-      <p:sp>
-        <p:nvSpPr>
-          <p:cNvPr id="31" name="橢圓 30"/>
-          <p:cNvSpPr/>
-          <p:nvPr/>
-        </p:nvSpPr>
-        <p:spPr>
-          <a:xfrm>
-            <a:off x="5617273" y="2481029"/>
-            <a:ext cx="3119247" cy="722376"/>
-          </a:xfrm>
-          <a:prstGeom prst="ellipse">
-            <a:avLst/>
-          </a:prstGeom>
-        </p:spPr>
-        <p:style>
-          <a:lnRef idx="2">
-            <a:schemeClr val="accent3">
-              <a:shade val="50000"/>
-            </a:schemeClr>
-          </a:lnRef>
-          <a:fillRef idx="1">
-            <a:schemeClr val="accent3"/>
-          </a:fillRef>
-          <a:effectRef idx="0">
-            <a:schemeClr val="accent3"/>
-          </a:effectRef>
-          <a:fontRef idx="minor">
-            <a:schemeClr val="lt1"/>
-          </a:fontRef>
-        </p:style>
-        <p:txBody>
-          <a:bodyPr rtlCol="0" anchor="ctr"/>
-          <a:lstStyle/>
-          <a:p>
-            <a:pPr algn="ctr"/>
-            <a:endParaRPr lang="zh-TW" altLang="en-US"/>
-          </a:p>
-        </p:txBody>
-      </p:sp>
-      <p:sp>
-        <p:nvSpPr>
-          <p:cNvPr id="30" name="橢圓 29"/>
-          <p:cNvSpPr/>
-          <p:nvPr/>
-        </p:nvSpPr>
-        <p:spPr>
-          <a:xfrm>
-            <a:off x="6253924" y="4962185"/>
-            <a:ext cx="1747647" cy="649224"/>
-          </a:xfrm>
-          <a:prstGeom prst="ellipse">
-            <a:avLst/>
-          </a:prstGeom>
-        </p:spPr>
-        <p:style>
-          <a:lnRef idx="2">
-            <a:schemeClr val="accent3">
-              <a:shade val="50000"/>
-            </a:schemeClr>
-          </a:lnRef>
-          <a:fillRef idx="1">
-            <a:schemeClr val="accent3"/>
-          </a:fillRef>
-          <a:effectRef idx="0">
-            <a:schemeClr val="accent3"/>
-          </a:effectRef>
-          <a:fontRef idx="minor">
-            <a:schemeClr val="lt1"/>
-          </a:fontRef>
-        </p:style>
-        <p:txBody>
-          <a:bodyPr rtlCol="0" anchor="ctr"/>
-          <a:lstStyle/>
-          <a:p>
-            <a:pPr algn="ctr"/>
-            <a:endParaRPr lang="zh-TW" altLang="en-US"/>
-          </a:p>
-        </p:txBody>
-      </p:sp>
-      <p:sp>
-        <p:nvSpPr>
-          <p:cNvPr id="29" name="橢圓 28"/>
-          <p:cNvSpPr/>
-          <p:nvPr/>
-        </p:nvSpPr>
-        <p:spPr>
-          <a:xfrm>
-            <a:off x="6198489" y="1721689"/>
-            <a:ext cx="1747647" cy="649224"/>
-          </a:xfrm>
-          <a:prstGeom prst="ellipse">
-            <a:avLst/>
-          </a:prstGeom>
-        </p:spPr>
-        <p:style>
-          <a:lnRef idx="2">
-            <a:schemeClr val="accent3">
-              <a:shade val="50000"/>
-            </a:schemeClr>
-          </a:lnRef>
-          <a:fillRef idx="1">
-            <a:schemeClr val="accent3"/>
-          </a:fillRef>
-          <a:effectRef idx="0">
-            <a:schemeClr val="accent3"/>
-          </a:effectRef>
-          <a:fontRef idx="minor">
-            <a:schemeClr val="lt1"/>
-          </a:fontRef>
-        </p:style>
-        <p:txBody>
-          <a:bodyPr rtlCol="0" anchor="ctr"/>
-          <a:lstStyle/>
-          <a:p>
-            <a:pPr algn="ctr"/>
-            <a:endParaRPr lang="zh-TW" altLang="en-US"/>
-          </a:p>
-        </p:txBody>
-      </p:sp>
-      <p:sp>
-        <p:nvSpPr>
-          <p:cNvPr id="28" name="橢圓 27"/>
-          <p:cNvSpPr/>
-          <p:nvPr/>
-        </p:nvSpPr>
-        <p:spPr>
-          <a:xfrm>
-            <a:off x="6218491" y="959601"/>
-            <a:ext cx="1747647" cy="649224"/>
-          </a:xfrm>
-          <a:prstGeom prst="ellipse">
-            <a:avLst/>
-          </a:prstGeom>
-        </p:spPr>
-        <p:style>
-          <a:lnRef idx="2">
-            <a:schemeClr val="accent3">
-              <a:shade val="50000"/>
-            </a:schemeClr>
-          </a:lnRef>
-          <a:fillRef idx="1">
-            <a:schemeClr val="accent3"/>
-          </a:fillRef>
-          <a:effectRef idx="0">
-            <a:schemeClr val="accent3"/>
-          </a:effectRef>
-          <a:fontRef idx="minor">
-            <a:schemeClr val="lt1"/>
-          </a:fontRef>
-        </p:style>
-        <p:txBody>
-          <a:bodyPr rtlCol="0" anchor="ctr"/>
-          <a:lstStyle/>
-          <a:p>
-            <a:pPr algn="ctr"/>
-            <a:endParaRPr lang="zh-TW" altLang="en-US"/>
-          </a:p>
-        </p:txBody>
-      </p:sp>
-      <p:sp>
-        <p:nvSpPr>
-          <p:cNvPr id="27" name="橢圓 26"/>
-          <p:cNvSpPr/>
-          <p:nvPr/>
-        </p:nvSpPr>
-        <p:spPr>
-          <a:xfrm>
-            <a:off x="6198489" y="197513"/>
-            <a:ext cx="1747647" cy="649224"/>
-          </a:xfrm>
-          <a:prstGeom prst="ellipse">
-            <a:avLst/>
-          </a:prstGeom>
-        </p:spPr>
-        <p:style>
-          <a:lnRef idx="2">
-            <a:schemeClr val="accent3">
-              <a:shade val="50000"/>
-            </a:schemeClr>
-          </a:lnRef>
-          <a:fillRef idx="1">
-            <a:schemeClr val="accent3"/>
-          </a:fillRef>
-          <a:effectRef idx="0">
-            <a:schemeClr val="accent3"/>
-          </a:effectRef>
-          <a:fontRef idx="minor">
-            <a:schemeClr val="lt1"/>
-          </a:fontRef>
-        </p:style>
-        <p:txBody>
-          <a:bodyPr rtlCol="0" anchor="ctr"/>
-          <a:lstStyle/>
-          <a:p>
-            <a:pPr algn="ctr"/>
-            <a:endParaRPr lang="zh-TW" altLang="en-US"/>
-          </a:p>
-        </p:txBody>
-      </p:sp>
-      <p:sp>
-        <p:nvSpPr>
-          <p:cNvPr id="5" name="文字方塊 4"/>
-          <p:cNvSpPr txBox="1"/>
-          <p:nvPr/>
-        </p:nvSpPr>
-        <p:spPr>
-          <a:xfrm>
-            <a:off x="6306503" y="1860261"/>
-            <a:ext cx="1629346" cy="369332"/>
-          </a:xfrm>
-          <a:prstGeom prst="rect">
-            <a:avLst/>
-          </a:prstGeom>
-          <a:noFill/>
-        </p:spPr>
-        <p:txBody>
-          <a:bodyPr wrap="square" rtlCol="0">
-            <a:spAutoFit/>
-          </a:bodyPr>
-          <a:lstStyle/>
-          <a:p>
-            <a:r>
-              <a:rPr lang="zh-TW" altLang="en-US" dirty="0" smtClean="0"/>
-              <a:t>新增收支紀錄</a:t>
-            </a:r>
-            <a:endParaRPr lang="zh-TW" altLang="en-US" dirty="0"/>
-          </a:p>
-        </p:txBody>
-      </p:sp>
-      <p:sp>
-        <p:nvSpPr>
-          <p:cNvPr id="6" name="文字方塊 5"/>
-          <p:cNvSpPr txBox="1"/>
-          <p:nvPr/>
-        </p:nvSpPr>
-        <p:spPr>
-          <a:xfrm>
-            <a:off x="6309360" y="1090242"/>
-            <a:ext cx="1636776" cy="369332"/>
-          </a:xfrm>
-          <a:prstGeom prst="rect">
-            <a:avLst/>
-          </a:prstGeom>
-          <a:noFill/>
-        </p:spPr>
-        <p:txBody>
-          <a:bodyPr wrap="square" rtlCol="0">
-            <a:spAutoFit/>
-          </a:bodyPr>
-          <a:lstStyle/>
-          <a:p>
-            <a:r>
-              <a:rPr lang="zh-TW" altLang="en-US" dirty="0" smtClean="0"/>
-              <a:t>管理消費類別</a:t>
-            </a:r>
-            <a:endParaRPr lang="zh-TW" altLang="en-US" dirty="0"/>
-          </a:p>
-        </p:txBody>
-      </p:sp>
-      <p:sp>
-        <p:nvSpPr>
-          <p:cNvPr id="7" name="文字方塊 6"/>
-          <p:cNvSpPr txBox="1"/>
-          <p:nvPr/>
-        </p:nvSpPr>
-        <p:spPr>
-          <a:xfrm>
-            <a:off x="9742932" y="1841804"/>
-            <a:ext cx="2130552" cy="369332"/>
-          </a:xfrm>
-          <a:prstGeom prst="rect">
-            <a:avLst/>
-          </a:prstGeom>
-          <a:noFill/>
-        </p:spPr>
-        <p:txBody>
-          <a:bodyPr wrap="square" rtlCol="0">
-            <a:spAutoFit/>
-          </a:bodyPr>
-          <a:lstStyle/>
-          <a:p>
-            <a:r>
-              <a:rPr lang="zh-TW" altLang="en-US" dirty="0" smtClean="0"/>
-              <a:t>修改收支紀錄</a:t>
-            </a:r>
-            <a:endParaRPr lang="zh-TW" altLang="en-US" dirty="0"/>
-          </a:p>
-        </p:txBody>
-      </p:sp>
-      <p:sp>
-        <p:nvSpPr>
-          <p:cNvPr id="8" name="文字方塊 7"/>
-          <p:cNvSpPr txBox="1"/>
-          <p:nvPr/>
-        </p:nvSpPr>
-        <p:spPr>
-          <a:xfrm>
-            <a:off x="5975604" y="2657551"/>
-            <a:ext cx="2898648" cy="369332"/>
-          </a:xfrm>
-          <a:prstGeom prst="rect">
-            <a:avLst/>
-          </a:prstGeom>
-          <a:noFill/>
-        </p:spPr>
-        <p:txBody>
-          <a:bodyPr wrap="square" rtlCol="0">
-            <a:spAutoFit/>
-          </a:bodyPr>
-          <a:lstStyle/>
-          <a:p>
-            <a:r>
-              <a:rPr lang="zh-TW" altLang="en-US" dirty="0" smtClean="0"/>
-              <a:t>瀏覽每月</a:t>
-            </a:r>
-            <a:r>
-              <a:rPr lang="en-US" altLang="zh-TW" dirty="0" smtClean="0"/>
-              <a:t>/</a:t>
-            </a:r>
-            <a:r>
-              <a:rPr lang="zh-TW" altLang="en-US" dirty="0" smtClean="0"/>
-              <a:t>年收支統計</a:t>
-            </a:r>
-            <a:endParaRPr lang="zh-TW" altLang="en-US" dirty="0"/>
-          </a:p>
-        </p:txBody>
-      </p:sp>
-      <p:sp>
-        <p:nvSpPr>
-          <p:cNvPr id="9" name="文字方塊 8"/>
-          <p:cNvSpPr txBox="1"/>
-          <p:nvPr/>
-        </p:nvSpPr>
-        <p:spPr>
-          <a:xfrm>
-            <a:off x="6189916" y="4311655"/>
-            <a:ext cx="2194560" cy="369332"/>
-          </a:xfrm>
-          <a:prstGeom prst="rect">
-            <a:avLst/>
-          </a:prstGeom>
-          <a:noFill/>
-        </p:spPr>
-        <p:txBody>
-          <a:bodyPr wrap="square" rtlCol="0">
-            <a:spAutoFit/>
-          </a:bodyPr>
-          <a:lstStyle/>
-          <a:p>
-            <a:r>
-              <a:rPr lang="zh-TW" altLang="en-US" dirty="0" smtClean="0"/>
-              <a:t>設定每日記帳提醒</a:t>
-            </a:r>
-            <a:endParaRPr lang="zh-TW" altLang="en-US" dirty="0"/>
-          </a:p>
-        </p:txBody>
-      </p:sp>
-      <p:sp>
-        <p:nvSpPr>
-          <p:cNvPr id="10" name="文字方塊 9"/>
-          <p:cNvSpPr txBox="1"/>
-          <p:nvPr/>
-        </p:nvSpPr>
-        <p:spPr>
-          <a:xfrm>
-            <a:off x="6357366" y="5102131"/>
-            <a:ext cx="1874520" cy="369332"/>
-          </a:xfrm>
-          <a:prstGeom prst="rect">
-            <a:avLst/>
-          </a:prstGeom>
-          <a:noFill/>
-        </p:spPr>
-        <p:txBody>
-          <a:bodyPr wrap="square" rtlCol="0">
-            <a:spAutoFit/>
-          </a:bodyPr>
-          <a:lstStyle/>
-          <a:p>
-            <a:r>
-              <a:rPr lang="zh-TW" altLang="en-US" dirty="0" smtClean="0"/>
-              <a:t>設定密碼保護</a:t>
-            </a:r>
-            <a:endParaRPr lang="zh-TW" altLang="en-US" dirty="0"/>
-          </a:p>
-        </p:txBody>
-      </p:sp>
-      <p:sp>
-        <p:nvSpPr>
-          <p:cNvPr id="11" name="文字方塊 10"/>
-          <p:cNvSpPr txBox="1"/>
-          <p:nvPr/>
-        </p:nvSpPr>
-        <p:spPr>
-          <a:xfrm>
-            <a:off x="5837872" y="3484603"/>
-            <a:ext cx="2898648" cy="369332"/>
-          </a:xfrm>
-          <a:prstGeom prst="rect">
-            <a:avLst/>
-          </a:prstGeom>
-          <a:noFill/>
-        </p:spPr>
-        <p:txBody>
-          <a:bodyPr wrap="square" rtlCol="0">
-            <a:spAutoFit/>
-          </a:bodyPr>
-          <a:lstStyle/>
-          <a:p>
-            <a:r>
-              <a:rPr lang="zh-TW" altLang="en-US" dirty="0" smtClean="0"/>
-              <a:t>瀏覽每月</a:t>
-            </a:r>
-            <a:r>
-              <a:rPr lang="en-US" altLang="zh-TW" dirty="0" smtClean="0"/>
-              <a:t>/</a:t>
-            </a:r>
-            <a:r>
-              <a:rPr lang="zh-TW" altLang="en-US" dirty="0" smtClean="0"/>
-              <a:t>年收支圖表分析</a:t>
-            </a:r>
-            <a:endParaRPr lang="zh-TW" altLang="en-US" dirty="0"/>
-          </a:p>
-        </p:txBody>
-      </p:sp>
-      <p:sp>
-        <p:nvSpPr>
-          <p:cNvPr id="12" name="文字方塊 11"/>
-          <p:cNvSpPr txBox="1"/>
-          <p:nvPr/>
-        </p:nvSpPr>
-        <p:spPr>
-          <a:xfrm>
-            <a:off x="6306503" y="5850238"/>
-            <a:ext cx="1856232" cy="369332"/>
-          </a:xfrm>
-          <a:prstGeom prst="rect">
-            <a:avLst/>
-          </a:prstGeom>
-          <a:noFill/>
-        </p:spPr>
-        <p:txBody>
-          <a:bodyPr wrap="square" rtlCol="0">
-            <a:spAutoFit/>
-          </a:bodyPr>
-          <a:lstStyle/>
-          <a:p>
-            <a:r>
-              <a:rPr lang="zh-TW" altLang="en-US" dirty="0" smtClean="0"/>
-              <a:t>資料備份</a:t>
-            </a:r>
-            <a:r>
-              <a:rPr lang="en-US" altLang="zh-TW" dirty="0"/>
-              <a:t>/</a:t>
-            </a:r>
-            <a:r>
-              <a:rPr lang="zh-TW" altLang="en-US" dirty="0" smtClean="0"/>
-              <a:t>匯出</a:t>
-            </a:r>
-            <a:endParaRPr lang="zh-TW" altLang="en-US" dirty="0"/>
-          </a:p>
-        </p:txBody>
-      </p:sp>
-      <p:sp>
-        <p:nvSpPr>
-          <p:cNvPr id="13" name="文字方塊 12"/>
-          <p:cNvSpPr txBox="1"/>
-          <p:nvPr/>
-        </p:nvSpPr>
-        <p:spPr>
-          <a:xfrm>
-            <a:off x="6399657" y="321031"/>
-            <a:ext cx="1536192" cy="369332"/>
-          </a:xfrm>
-          <a:prstGeom prst="rect">
-            <a:avLst/>
-          </a:prstGeom>
-          <a:noFill/>
-        </p:spPr>
-        <p:txBody>
-          <a:bodyPr wrap="square" rtlCol="0">
-            <a:spAutoFit/>
-          </a:bodyPr>
-          <a:lstStyle/>
-          <a:p>
-            <a:r>
-              <a:rPr lang="zh-TW" altLang="en-US" dirty="0" smtClean="0"/>
-              <a:t>管理多帳戶</a:t>
-            </a:r>
-            <a:endParaRPr lang="zh-TW" altLang="en-US" dirty="0"/>
-          </a:p>
-        </p:txBody>
-      </p:sp>
-      <p:sp>
-        <p:nvSpPr>
-          <p:cNvPr id="14" name="文字方塊 13"/>
-          <p:cNvSpPr txBox="1"/>
-          <p:nvPr/>
-        </p:nvSpPr>
-        <p:spPr>
-          <a:xfrm>
-            <a:off x="10391585" y="1088860"/>
-            <a:ext cx="1536192" cy="369332"/>
-          </a:xfrm>
-          <a:prstGeom prst="rect">
-            <a:avLst/>
-          </a:prstGeom>
-          <a:noFill/>
-        </p:spPr>
-        <p:txBody>
-          <a:bodyPr wrap="square" rtlCol="0">
-            <a:spAutoFit/>
-          </a:bodyPr>
-          <a:lstStyle/>
-          <a:p>
-            <a:r>
-              <a:rPr lang="zh-TW" altLang="en-US" dirty="0" smtClean="0"/>
-              <a:t>管理預算</a:t>
-            </a:r>
-            <a:endParaRPr lang="zh-TW" altLang="en-US" dirty="0"/>
-          </a:p>
-        </p:txBody>
-      </p:sp>
       <p:pic>
         <p:nvPicPr>
           <p:cNvPr id="16" name="圖片 15"/>
@@ -7307,7 +6578,7 @@
         </p:blipFill>
         <p:spPr>
           <a:xfrm>
-            <a:off x="2173838" y="2292899"/>
+            <a:off x="491529" y="2795496"/>
             <a:ext cx="1842234" cy="1842234"/>
           </a:xfrm>
           <a:prstGeom prst="rect">
@@ -7317,93 +6588,1807 @@
       </p:pic>
       <p:sp>
         <p:nvSpPr>
-          <p:cNvPr id="17" name="文字方塊 16"/>
-          <p:cNvSpPr txBox="1"/>
-          <p:nvPr/>
+          <p:cNvPr id="35" name="標題 1"/>
+          <p:cNvSpPr>
+            <a:spLocks noGrp="1"/>
+          </p:cNvSpPr>
+          <p:nvPr>
+            <p:ph type="title"/>
+          </p:nvPr>
         </p:nvSpPr>
         <p:spPr>
           <a:xfrm>
-            <a:off x="8355330" y="1682409"/>
-            <a:ext cx="1435608" cy="369332"/>
+            <a:off x="194535" y="230960"/>
+            <a:ext cx="8596668" cy="1320800"/>
           </a:xfrm>
-          <a:prstGeom prst="rect">
-            <a:avLst/>
-          </a:prstGeom>
-          <a:noFill/>
         </p:spPr>
         <p:txBody>
-          <a:bodyPr wrap="square" rtlCol="0">
-            <a:spAutoFit/>
+          <a:bodyPr>
+            <a:normAutofit/>
           </a:bodyPr>
           <a:lstStyle/>
           <a:p>
             <a:r>
-              <a:rPr lang="en-US" altLang="zh-TW" dirty="0" smtClean="0"/>
-              <a:t>&lt;&lt;include&gt;&gt;</a:t>
-            </a:r>
-            <a:endParaRPr lang="zh-TW" altLang="en-US" dirty="0"/>
-          </a:p>
-        </p:txBody>
-      </p:sp>
-      <p:sp>
-        <p:nvSpPr>
-          <p:cNvPr id="18" name="文字方塊 17"/>
-          <p:cNvSpPr txBox="1"/>
+              <a:rPr lang="en-US" altLang="zh-TW" sz="4800" dirty="0" smtClean="0"/>
+              <a:t>(b)</a:t>
+            </a:r>
+            <a:r>
+              <a:rPr lang="zh-TW" altLang="en-US" sz="4800" dirty="0"/>
+              <a:t> </a:t>
+            </a:r>
+            <a:r>
+              <a:rPr lang="en-US" altLang="zh-TW" sz="4800" dirty="0" smtClean="0"/>
+              <a:t>Use Cases</a:t>
+            </a:r>
+            <a:endParaRPr lang="zh-TW" altLang="en-US" sz="4800" dirty="0"/>
+          </a:p>
+        </p:txBody>
+      </p:sp>
+      <p:grpSp>
+        <p:nvGrpSpPr>
+          <p:cNvPr id="94" name="群組 93"/>
+          <p:cNvGrpSpPr/>
           <p:nvPr/>
-        </p:nvSpPr>
-        <p:spPr>
+        </p:nvGrpSpPr>
+        <p:grpSpPr>
           <a:xfrm>
-            <a:off x="8344471" y="933388"/>
-            <a:ext cx="1435608" cy="369332"/>
+            <a:off x="4466493" y="603289"/>
+            <a:ext cx="6733711" cy="5986517"/>
+            <a:chOff x="4074961" y="200404"/>
+            <a:chExt cx="7740704" cy="6881771"/>
           </a:xfrm>
-          <a:prstGeom prst="rect">
-            <a:avLst/>
-          </a:prstGeom>
-          <a:noFill/>
-        </p:spPr>
-        <p:txBody>
-          <a:bodyPr wrap="square" rtlCol="0">
-            <a:spAutoFit/>
-          </a:bodyPr>
-          <a:lstStyle/>
-          <a:p>
-            <a:r>
-              <a:rPr lang="en-US" altLang="zh-TW" dirty="0" smtClean="0"/>
-              <a:t>&lt;&lt;include&gt;&gt;</a:t>
-            </a:r>
-            <a:endParaRPr lang="zh-TW" altLang="en-US" dirty="0"/>
-          </a:p>
-        </p:txBody>
-      </p:sp>
+        </p:grpSpPr>
+        <p:grpSp>
+          <p:nvGrpSpPr>
+            <p:cNvPr id="37" name="群組 36"/>
+            <p:cNvGrpSpPr/>
+            <p:nvPr/>
+          </p:nvGrpSpPr>
+          <p:grpSpPr>
+            <a:xfrm>
+              <a:off x="4079631" y="200404"/>
+              <a:ext cx="5213838" cy="2656258"/>
+              <a:chOff x="5715000" y="270139"/>
+              <a:chExt cx="5213838" cy="2656258"/>
+            </a:xfrm>
+          </p:grpSpPr>
+          <p:sp>
+            <p:nvSpPr>
+              <p:cNvPr id="20" name="橢圓 19"/>
+              <p:cNvSpPr/>
+              <p:nvPr/>
+            </p:nvSpPr>
+            <p:spPr>
+              <a:xfrm>
+                <a:off x="5715000" y="293664"/>
+                <a:ext cx="1517572" cy="461181"/>
+              </a:xfrm>
+              <a:prstGeom prst="ellipse">
+                <a:avLst/>
+              </a:prstGeom>
+              <a:solidFill>
+                <a:schemeClr val="accent3"/>
+              </a:solidFill>
+            </p:spPr>
+            <p:style>
+              <a:lnRef idx="2">
+                <a:schemeClr val="accent1">
+                  <a:shade val="50000"/>
+                </a:schemeClr>
+              </a:lnRef>
+              <a:fillRef idx="1">
+                <a:schemeClr val="accent1"/>
+              </a:fillRef>
+              <a:effectRef idx="0">
+                <a:schemeClr val="accent1"/>
+              </a:effectRef>
+              <a:fontRef idx="minor">
+                <a:schemeClr val="lt1"/>
+              </a:fontRef>
+            </p:style>
+            <p:txBody>
+              <a:bodyPr rtlCol="0" anchor="ctr"/>
+              <a:lstStyle/>
+              <a:p>
+                <a:pPr algn="ctr"/>
+                <a:r>
+                  <a:rPr lang="zh-TW" altLang="en-US" sz="1400" dirty="0" smtClean="0"/>
+                  <a:t>收支</a:t>
+                </a:r>
+                <a:r>
+                  <a:rPr lang="zh-TW" altLang="en-US" sz="1400" dirty="0"/>
+                  <a:t>管理</a:t>
+                </a:r>
+              </a:p>
+            </p:txBody>
+          </p:sp>
+          <p:sp>
+            <p:nvSpPr>
+              <p:cNvPr id="43" name="橢圓 42"/>
+              <p:cNvSpPr/>
+              <p:nvPr/>
+            </p:nvSpPr>
+            <p:spPr>
+              <a:xfrm>
+                <a:off x="5715000" y="836552"/>
+                <a:ext cx="1517572" cy="461181"/>
+              </a:xfrm>
+              <a:prstGeom prst="ellipse">
+                <a:avLst/>
+              </a:prstGeom>
+              <a:solidFill>
+                <a:schemeClr val="accent3"/>
+              </a:solidFill>
+            </p:spPr>
+            <p:style>
+              <a:lnRef idx="2">
+                <a:schemeClr val="accent1">
+                  <a:shade val="50000"/>
+                </a:schemeClr>
+              </a:lnRef>
+              <a:fillRef idx="1">
+                <a:schemeClr val="accent1"/>
+              </a:fillRef>
+              <a:effectRef idx="0">
+                <a:schemeClr val="accent1"/>
+              </a:effectRef>
+              <a:fontRef idx="minor">
+                <a:schemeClr val="lt1"/>
+              </a:fontRef>
+            </p:style>
+            <p:txBody>
+              <a:bodyPr rtlCol="0" anchor="ctr"/>
+              <a:lstStyle/>
+              <a:p>
+                <a:pPr algn="ctr"/>
+                <a:r>
+                  <a:rPr lang="zh-TW" altLang="en-US" dirty="0" smtClean="0"/>
+                  <a:t>日</a:t>
+                </a:r>
+                <a:r>
+                  <a:rPr lang="zh-TW" altLang="en-US" dirty="0"/>
+                  <a:t>曆</a:t>
+                </a:r>
+              </a:p>
+            </p:txBody>
+          </p:sp>
+          <p:sp>
+            <p:nvSpPr>
+              <p:cNvPr id="45" name="橢圓 44"/>
+              <p:cNvSpPr/>
+              <p:nvPr/>
+            </p:nvSpPr>
+            <p:spPr>
+              <a:xfrm>
+                <a:off x="8234270" y="293664"/>
+                <a:ext cx="2694568" cy="461181"/>
+              </a:xfrm>
+              <a:prstGeom prst="ellipse">
+                <a:avLst/>
+              </a:prstGeom>
+              <a:solidFill>
+                <a:schemeClr val="accent3"/>
+              </a:solidFill>
+            </p:spPr>
+            <p:style>
+              <a:lnRef idx="2">
+                <a:schemeClr val="accent1">
+                  <a:shade val="50000"/>
+                </a:schemeClr>
+              </a:lnRef>
+              <a:fillRef idx="1">
+                <a:schemeClr val="accent1"/>
+              </a:fillRef>
+              <a:effectRef idx="0">
+                <a:schemeClr val="accent1"/>
+              </a:effectRef>
+              <a:fontRef idx="minor">
+                <a:schemeClr val="lt1"/>
+              </a:fontRef>
+            </p:style>
+            <p:txBody>
+              <a:bodyPr rtlCol="0" anchor="ctr"/>
+              <a:lstStyle/>
+              <a:p>
+                <a:pPr algn="ctr"/>
+                <a:r>
+                  <a:rPr lang="zh-TW" altLang="en-US" sz="1400" dirty="0" smtClean="0"/>
+                  <a:t>新增、修改、</a:t>
+                </a:r>
+                <a:r>
+                  <a:rPr lang="zh-TW" altLang="en-US" sz="1400" dirty="0"/>
+                  <a:t>刪除</a:t>
+                </a:r>
+              </a:p>
+            </p:txBody>
+          </p:sp>
+          <p:sp>
+            <p:nvSpPr>
+              <p:cNvPr id="47" name="橢圓 46"/>
+              <p:cNvSpPr/>
+              <p:nvPr/>
+            </p:nvSpPr>
+            <p:spPr>
+              <a:xfrm>
+                <a:off x="5715000" y="1379440"/>
+                <a:ext cx="1517572" cy="461181"/>
+              </a:xfrm>
+              <a:prstGeom prst="ellipse">
+                <a:avLst/>
+              </a:prstGeom>
+              <a:solidFill>
+                <a:schemeClr val="accent3"/>
+              </a:solidFill>
+            </p:spPr>
+            <p:style>
+              <a:lnRef idx="2">
+                <a:schemeClr val="accent1">
+                  <a:shade val="50000"/>
+                </a:schemeClr>
+              </a:lnRef>
+              <a:fillRef idx="1">
+                <a:schemeClr val="accent1"/>
+              </a:fillRef>
+              <a:effectRef idx="0">
+                <a:schemeClr val="accent1"/>
+              </a:effectRef>
+              <a:fontRef idx="minor">
+                <a:schemeClr val="lt1"/>
+              </a:fontRef>
+            </p:style>
+            <p:txBody>
+              <a:bodyPr rtlCol="0" anchor="ctr"/>
+              <a:lstStyle/>
+              <a:p>
+                <a:pPr algn="ctr"/>
+                <a:r>
+                  <a:rPr lang="zh-TW" altLang="en-US" dirty="0" smtClean="0"/>
+                  <a:t>小算盤</a:t>
+                </a:r>
+                <a:endParaRPr lang="zh-TW" altLang="en-US" dirty="0"/>
+              </a:p>
+            </p:txBody>
+          </p:sp>
+          <p:sp>
+            <p:nvSpPr>
+              <p:cNvPr id="49" name="橢圓 48"/>
+              <p:cNvSpPr/>
+              <p:nvPr/>
+            </p:nvSpPr>
+            <p:spPr>
+              <a:xfrm>
+                <a:off x="5715000" y="1922328"/>
+                <a:ext cx="1517572" cy="461181"/>
+              </a:xfrm>
+              <a:prstGeom prst="ellipse">
+                <a:avLst/>
+              </a:prstGeom>
+              <a:solidFill>
+                <a:schemeClr val="accent3"/>
+              </a:solidFill>
+            </p:spPr>
+            <p:style>
+              <a:lnRef idx="2">
+                <a:schemeClr val="accent1">
+                  <a:shade val="50000"/>
+                </a:schemeClr>
+              </a:lnRef>
+              <a:fillRef idx="1">
+                <a:schemeClr val="accent1"/>
+              </a:fillRef>
+              <a:effectRef idx="0">
+                <a:schemeClr val="accent1"/>
+              </a:effectRef>
+              <a:fontRef idx="minor">
+                <a:schemeClr val="lt1"/>
+              </a:fontRef>
+            </p:style>
+            <p:txBody>
+              <a:bodyPr rtlCol="0" anchor="ctr"/>
+              <a:lstStyle/>
+              <a:p>
+                <a:pPr algn="ctr"/>
+                <a:r>
+                  <a:rPr lang="zh-TW" altLang="en-US" sz="1400" dirty="0" smtClean="0"/>
+                  <a:t>定時提醒</a:t>
+                </a:r>
+                <a:endParaRPr lang="zh-TW" altLang="en-US" sz="1400" dirty="0"/>
+              </a:p>
+            </p:txBody>
+          </p:sp>
+          <p:sp>
+            <p:nvSpPr>
+              <p:cNvPr id="52" name="橢圓 51"/>
+              <p:cNvSpPr/>
+              <p:nvPr/>
+            </p:nvSpPr>
+            <p:spPr>
+              <a:xfrm>
+                <a:off x="8223915" y="1930400"/>
+                <a:ext cx="2033446" cy="461181"/>
+              </a:xfrm>
+              <a:prstGeom prst="ellipse">
+                <a:avLst/>
+              </a:prstGeom>
+              <a:solidFill>
+                <a:schemeClr val="accent3"/>
+              </a:solidFill>
+            </p:spPr>
+            <p:style>
+              <a:lnRef idx="2">
+                <a:schemeClr val="accent1">
+                  <a:shade val="50000"/>
+                </a:schemeClr>
+              </a:lnRef>
+              <a:fillRef idx="1">
+                <a:schemeClr val="accent1"/>
+              </a:fillRef>
+              <a:effectRef idx="0">
+                <a:schemeClr val="accent1"/>
+              </a:effectRef>
+              <a:fontRef idx="minor">
+                <a:schemeClr val="lt1"/>
+              </a:fontRef>
+            </p:style>
+            <p:txBody>
+              <a:bodyPr rtlCol="0" anchor="ctr"/>
+              <a:lstStyle/>
+              <a:p>
+                <a:pPr algn="ctr"/>
+                <a:r>
+                  <a:rPr lang="zh-TW" altLang="en-US" sz="1400" dirty="0" smtClean="0"/>
+                  <a:t>自動增加提醒</a:t>
+                </a:r>
+                <a:endParaRPr lang="zh-TW" altLang="en-US" sz="1400" dirty="0"/>
+              </a:p>
+            </p:txBody>
+          </p:sp>
+          <p:sp>
+            <p:nvSpPr>
+              <p:cNvPr id="55" name="橢圓 54"/>
+              <p:cNvSpPr/>
+              <p:nvPr/>
+            </p:nvSpPr>
+            <p:spPr>
+              <a:xfrm>
+                <a:off x="5715000" y="2465216"/>
+                <a:ext cx="1517572" cy="461181"/>
+              </a:xfrm>
+              <a:prstGeom prst="ellipse">
+                <a:avLst/>
+              </a:prstGeom>
+              <a:solidFill>
+                <a:schemeClr val="accent3"/>
+              </a:solidFill>
+            </p:spPr>
+            <p:style>
+              <a:lnRef idx="2">
+                <a:schemeClr val="accent1">
+                  <a:shade val="50000"/>
+                </a:schemeClr>
+              </a:lnRef>
+              <a:fillRef idx="1">
+                <a:schemeClr val="accent1"/>
+              </a:fillRef>
+              <a:effectRef idx="0">
+                <a:schemeClr val="accent1"/>
+              </a:effectRef>
+              <a:fontRef idx="minor">
+                <a:schemeClr val="lt1"/>
+              </a:fontRef>
+            </p:style>
+            <p:txBody>
+              <a:bodyPr rtlCol="0" anchor="ctr"/>
+              <a:lstStyle/>
+              <a:p>
+                <a:pPr algn="ctr"/>
+                <a:r>
+                  <a:rPr lang="zh-TW" altLang="en-US" dirty="0" smtClean="0"/>
+                  <a:t>設定檔</a:t>
+                </a:r>
+                <a:endParaRPr lang="zh-TW" altLang="en-US" dirty="0"/>
+              </a:p>
+            </p:txBody>
+          </p:sp>
+          <p:cxnSp>
+            <p:nvCxnSpPr>
+              <p:cNvPr id="22" name="直線接點 21"/>
+              <p:cNvCxnSpPr>
+                <a:stCxn id="20" idx="6"/>
+                <a:endCxn id="45" idx="2"/>
+              </p:cNvCxnSpPr>
+              <p:nvPr/>
+            </p:nvCxnSpPr>
+            <p:spPr>
+              <a:xfrm>
+                <a:off x="7232572" y="524254"/>
+                <a:ext cx="1001698" cy="0"/>
+              </a:xfrm>
+              <a:prstGeom prst="line">
+                <a:avLst/>
+              </a:prstGeom>
+              <a:ln w="9525" cap="flat" cmpd="sng" algn="ctr">
+                <a:solidFill>
+                  <a:schemeClr val="accent3"/>
+                </a:solidFill>
+                <a:prstDash val="dash"/>
+                <a:round/>
+                <a:headEnd type="none" w="med" len="med"/>
+                <a:tailEnd type="none" w="med" len="med"/>
+              </a:ln>
+            </p:spPr>
+            <p:style>
+              <a:lnRef idx="0">
+                <a:scrgbClr r="0" g="0" b="0"/>
+              </a:lnRef>
+              <a:fillRef idx="0">
+                <a:scrgbClr r="0" g="0" b="0"/>
+              </a:fillRef>
+              <a:effectRef idx="0">
+                <a:scrgbClr r="0" g="0" b="0"/>
+              </a:effectRef>
+              <a:fontRef idx="minor">
+                <a:schemeClr val="tx1"/>
+              </a:fontRef>
+            </p:style>
+          </p:cxnSp>
+          <p:cxnSp>
+            <p:nvCxnSpPr>
+              <p:cNvPr id="56" name="直線接點 55"/>
+              <p:cNvCxnSpPr/>
+              <p:nvPr/>
+            </p:nvCxnSpPr>
+            <p:spPr>
+              <a:xfrm>
+                <a:off x="7232572" y="2151877"/>
+                <a:ext cx="1001698" cy="0"/>
+              </a:xfrm>
+              <a:prstGeom prst="line">
+                <a:avLst/>
+              </a:prstGeom>
+              <a:ln w="9525" cap="flat" cmpd="sng" algn="ctr">
+                <a:solidFill>
+                  <a:schemeClr val="accent3"/>
+                </a:solidFill>
+                <a:prstDash val="dash"/>
+                <a:round/>
+                <a:headEnd type="none" w="med" len="med"/>
+                <a:tailEnd type="none" w="med" len="med"/>
+              </a:ln>
+            </p:spPr>
+            <p:style>
+              <a:lnRef idx="0">
+                <a:scrgbClr r="0" g="0" b="0"/>
+              </a:lnRef>
+              <a:fillRef idx="0">
+                <a:scrgbClr r="0" g="0" b="0"/>
+              </a:fillRef>
+              <a:effectRef idx="0">
+                <a:scrgbClr r="0" g="0" b="0"/>
+              </a:effectRef>
+              <a:fontRef idx="minor">
+                <a:schemeClr val="tx1"/>
+              </a:fontRef>
+            </p:style>
+          </p:cxnSp>
+          <p:sp>
+            <p:nvSpPr>
+              <p:cNvPr id="23" name="文字方塊 22"/>
+              <p:cNvSpPr txBox="1"/>
+              <p:nvPr/>
+            </p:nvSpPr>
+            <p:spPr>
+              <a:xfrm>
+                <a:off x="7242927" y="1876697"/>
+                <a:ext cx="980988" cy="264652"/>
+              </a:xfrm>
+              <a:prstGeom prst="rect">
+                <a:avLst/>
+              </a:prstGeom>
+              <a:noFill/>
+            </p:spPr>
+            <p:txBody>
+              <a:bodyPr wrap="none" rtlCol="0">
+                <a:spAutoFit/>
+              </a:bodyPr>
+              <a:lstStyle/>
+              <a:p>
+                <a:r>
+                  <a:rPr lang="en-US" altLang="zh-TW" sz="1400" dirty="0" smtClean="0">
+                    <a:solidFill>
+                      <a:schemeClr val="accent3"/>
+                    </a:solidFill>
+                  </a:rPr>
+                  <a:t>&lt;&lt;include&gt;&gt;</a:t>
+                </a:r>
+                <a:endParaRPr lang="zh-TW" altLang="en-US" sz="1400" dirty="0">
+                  <a:solidFill>
+                    <a:schemeClr val="accent3"/>
+                  </a:solidFill>
+                </a:endParaRPr>
+              </a:p>
+            </p:txBody>
+          </p:sp>
+          <p:sp>
+            <p:nvSpPr>
+              <p:cNvPr id="57" name="文字方塊 56"/>
+              <p:cNvSpPr txBox="1"/>
+              <p:nvPr/>
+            </p:nvSpPr>
+            <p:spPr>
+              <a:xfrm>
+                <a:off x="7242927" y="270139"/>
+                <a:ext cx="980988" cy="264652"/>
+              </a:xfrm>
+              <a:prstGeom prst="rect">
+                <a:avLst/>
+              </a:prstGeom>
+              <a:noFill/>
+            </p:spPr>
+            <p:txBody>
+              <a:bodyPr wrap="none" rtlCol="0">
+                <a:spAutoFit/>
+              </a:bodyPr>
+              <a:lstStyle/>
+              <a:p>
+                <a:r>
+                  <a:rPr lang="en-US" altLang="zh-TW" sz="1400" dirty="0" smtClean="0">
+                    <a:solidFill>
+                      <a:schemeClr val="accent3"/>
+                    </a:solidFill>
+                  </a:rPr>
+                  <a:t>&lt;&lt;include&gt;&gt;</a:t>
+                </a:r>
+                <a:endParaRPr lang="zh-TW" altLang="en-US" sz="1400" dirty="0">
+                  <a:solidFill>
+                    <a:schemeClr val="accent3"/>
+                  </a:solidFill>
+                </a:endParaRPr>
+              </a:p>
+            </p:txBody>
+          </p:sp>
+        </p:grpSp>
+        <p:grpSp>
+          <p:nvGrpSpPr>
+            <p:cNvPr id="70" name="群組 69"/>
+            <p:cNvGrpSpPr/>
+            <p:nvPr/>
+          </p:nvGrpSpPr>
+          <p:grpSpPr>
+            <a:xfrm>
+              <a:off x="4076705" y="3717570"/>
+              <a:ext cx="5216764" cy="1697472"/>
+              <a:chOff x="5715000" y="3243691"/>
+              <a:chExt cx="5216764" cy="1697472"/>
+            </a:xfrm>
+          </p:grpSpPr>
+          <p:sp>
+            <p:nvSpPr>
+              <p:cNvPr id="58" name="橢圓 57"/>
+              <p:cNvSpPr/>
+              <p:nvPr/>
+            </p:nvSpPr>
+            <p:spPr>
+              <a:xfrm>
+                <a:off x="5715000" y="3287274"/>
+                <a:ext cx="1517572" cy="461181"/>
+              </a:xfrm>
+              <a:prstGeom prst="ellipse">
+                <a:avLst/>
+              </a:prstGeom>
+              <a:solidFill>
+                <a:schemeClr val="accent1"/>
+              </a:solidFill>
+            </p:spPr>
+            <p:style>
+              <a:lnRef idx="2">
+                <a:schemeClr val="accent1">
+                  <a:shade val="50000"/>
+                </a:schemeClr>
+              </a:lnRef>
+              <a:fillRef idx="1">
+                <a:schemeClr val="accent1"/>
+              </a:fillRef>
+              <a:effectRef idx="0">
+                <a:schemeClr val="accent1"/>
+              </a:effectRef>
+              <a:fontRef idx="minor">
+                <a:schemeClr val="lt1"/>
+              </a:fontRef>
+            </p:style>
+            <p:txBody>
+              <a:bodyPr rtlCol="0" anchor="ctr"/>
+              <a:lstStyle/>
+              <a:p>
+                <a:pPr algn="ctr"/>
+                <a:r>
+                  <a:rPr lang="zh-TW" altLang="en-US" sz="1400" dirty="0"/>
+                  <a:t>分類統計</a:t>
+                </a:r>
+                <a:endParaRPr lang="zh-TW" altLang="en-US" sz="1400" dirty="0"/>
+              </a:p>
+            </p:txBody>
+          </p:sp>
+          <p:sp>
+            <p:nvSpPr>
+              <p:cNvPr id="60" name="橢圓 59"/>
+              <p:cNvSpPr/>
+              <p:nvPr/>
+            </p:nvSpPr>
+            <p:spPr>
+              <a:xfrm>
+                <a:off x="5715000" y="3883628"/>
+                <a:ext cx="1517572" cy="461181"/>
+              </a:xfrm>
+              <a:prstGeom prst="ellipse">
+                <a:avLst/>
+              </a:prstGeom>
+              <a:solidFill>
+                <a:schemeClr val="accent1"/>
+              </a:solidFill>
+            </p:spPr>
+            <p:style>
+              <a:lnRef idx="2">
+                <a:schemeClr val="accent1">
+                  <a:shade val="50000"/>
+                </a:schemeClr>
+              </a:lnRef>
+              <a:fillRef idx="1">
+                <a:schemeClr val="accent1"/>
+              </a:fillRef>
+              <a:effectRef idx="0">
+                <a:schemeClr val="accent1"/>
+              </a:effectRef>
+              <a:fontRef idx="minor">
+                <a:schemeClr val="lt1"/>
+              </a:fontRef>
+            </p:style>
+            <p:txBody>
+              <a:bodyPr rtlCol="0" anchor="ctr"/>
+              <a:lstStyle/>
+              <a:p>
+                <a:pPr algn="ctr"/>
+                <a:r>
+                  <a:rPr lang="zh-TW" altLang="en-US" sz="1200" dirty="0" smtClean="0"/>
+                  <a:t>統計</a:t>
+                </a:r>
+                <a:endParaRPr lang="en-US" altLang="zh-TW" sz="1200" dirty="0" smtClean="0"/>
+              </a:p>
+              <a:p>
+                <a:pPr algn="ctr"/>
+                <a:r>
+                  <a:rPr lang="zh-TW" altLang="en-US" sz="1200" dirty="0" smtClean="0"/>
+                  <a:t>顯示</a:t>
+                </a:r>
+                <a:r>
+                  <a:rPr lang="zh-TW" altLang="en-US" sz="1200" dirty="0"/>
+                  <a:t>方式</a:t>
+                </a:r>
+                <a:endParaRPr lang="zh-TW" altLang="en-US" sz="1200" dirty="0"/>
+              </a:p>
+            </p:txBody>
+          </p:sp>
+          <p:sp>
+            <p:nvSpPr>
+              <p:cNvPr id="61" name="橢圓 60"/>
+              <p:cNvSpPr/>
+              <p:nvPr/>
+            </p:nvSpPr>
+            <p:spPr>
+              <a:xfrm>
+                <a:off x="5715000" y="4479982"/>
+                <a:ext cx="1517572" cy="461181"/>
+              </a:xfrm>
+              <a:prstGeom prst="ellipse">
+                <a:avLst/>
+              </a:prstGeom>
+              <a:solidFill>
+                <a:schemeClr val="accent1"/>
+              </a:solidFill>
+            </p:spPr>
+            <p:style>
+              <a:lnRef idx="2">
+                <a:schemeClr val="accent1">
+                  <a:shade val="50000"/>
+                </a:schemeClr>
+              </a:lnRef>
+              <a:fillRef idx="1">
+                <a:schemeClr val="accent1"/>
+              </a:fillRef>
+              <a:effectRef idx="0">
+                <a:schemeClr val="accent1"/>
+              </a:effectRef>
+              <a:fontRef idx="minor">
+                <a:schemeClr val="lt1"/>
+              </a:fontRef>
+            </p:style>
+            <p:txBody>
+              <a:bodyPr rtlCol="0" anchor="ctr"/>
+              <a:lstStyle/>
+              <a:p>
+                <a:pPr algn="ctr"/>
+                <a:r>
+                  <a:rPr lang="zh-TW" altLang="en-US" sz="1400" dirty="0"/>
+                  <a:t>帳戶管理</a:t>
+                </a:r>
+                <a:endParaRPr lang="zh-TW" altLang="en-US" sz="1400" dirty="0"/>
+              </a:p>
+            </p:txBody>
+          </p:sp>
+          <p:sp>
+            <p:nvSpPr>
+              <p:cNvPr id="62" name="橢圓 61"/>
+              <p:cNvSpPr/>
+              <p:nvPr/>
+            </p:nvSpPr>
+            <p:spPr>
+              <a:xfrm>
+                <a:off x="8237196" y="3287274"/>
+                <a:ext cx="2694568" cy="461181"/>
+              </a:xfrm>
+              <a:prstGeom prst="ellipse">
+                <a:avLst/>
+              </a:prstGeom>
+              <a:solidFill>
+                <a:schemeClr val="accent1"/>
+              </a:solidFill>
+            </p:spPr>
+            <p:style>
+              <a:lnRef idx="2">
+                <a:schemeClr val="accent1">
+                  <a:shade val="50000"/>
+                </a:schemeClr>
+              </a:lnRef>
+              <a:fillRef idx="1">
+                <a:schemeClr val="accent1"/>
+              </a:fillRef>
+              <a:effectRef idx="0">
+                <a:schemeClr val="accent1"/>
+              </a:effectRef>
+              <a:fontRef idx="minor">
+                <a:schemeClr val="lt1"/>
+              </a:fontRef>
+            </p:style>
+            <p:txBody>
+              <a:bodyPr rtlCol="0" anchor="ctr"/>
+              <a:lstStyle/>
+              <a:p>
+                <a:pPr algn="ctr"/>
+                <a:r>
+                  <a:rPr lang="zh-TW" altLang="en-US" sz="1200" dirty="0"/>
+                  <a:t>食衣住行</a:t>
+                </a:r>
+                <a:r>
+                  <a:rPr lang="zh-TW" altLang="en-US" sz="1200" dirty="0" smtClean="0"/>
+                  <a:t>育樂</a:t>
+                </a:r>
+                <a:endParaRPr lang="en-US" altLang="zh-TW" sz="1200" dirty="0" smtClean="0"/>
+              </a:p>
+              <a:p>
+                <a:pPr algn="ctr"/>
+                <a:r>
+                  <a:rPr lang="zh-TW" altLang="en-US" sz="1200" dirty="0" smtClean="0"/>
+                  <a:t>各項</a:t>
+                </a:r>
+                <a:r>
+                  <a:rPr lang="zh-TW" altLang="en-US" sz="1200" dirty="0"/>
+                  <a:t>支出、收入</a:t>
+                </a:r>
+                <a:endParaRPr lang="zh-TW" altLang="en-US" sz="1100" dirty="0"/>
+              </a:p>
+            </p:txBody>
+          </p:sp>
+          <p:sp>
+            <p:nvSpPr>
+              <p:cNvPr id="63" name="橢圓 62"/>
+              <p:cNvSpPr/>
+              <p:nvPr/>
+            </p:nvSpPr>
+            <p:spPr>
+              <a:xfrm>
+                <a:off x="8234270" y="3883628"/>
+                <a:ext cx="2694568" cy="461181"/>
+              </a:xfrm>
+              <a:prstGeom prst="ellipse">
+                <a:avLst/>
+              </a:prstGeom>
+              <a:solidFill>
+                <a:schemeClr val="accent1"/>
+              </a:solidFill>
+            </p:spPr>
+            <p:style>
+              <a:lnRef idx="2">
+                <a:schemeClr val="accent1">
+                  <a:shade val="50000"/>
+                </a:schemeClr>
+              </a:lnRef>
+              <a:fillRef idx="1">
+                <a:schemeClr val="accent1"/>
+              </a:fillRef>
+              <a:effectRef idx="0">
+                <a:schemeClr val="accent1"/>
+              </a:effectRef>
+              <a:fontRef idx="minor">
+                <a:schemeClr val="lt1"/>
+              </a:fontRef>
+            </p:style>
+            <p:txBody>
+              <a:bodyPr rtlCol="0" anchor="ctr"/>
+              <a:lstStyle/>
+              <a:p>
+                <a:pPr algn="ctr"/>
+                <a:r>
+                  <a:rPr lang="zh-TW" altLang="en-US" sz="1600" dirty="0"/>
+                  <a:t>圓餅圖或直方圖</a:t>
+                </a:r>
+                <a:endParaRPr lang="zh-TW" altLang="en-US" sz="1400" dirty="0"/>
+              </a:p>
+            </p:txBody>
+          </p:sp>
+          <p:sp>
+            <p:nvSpPr>
+              <p:cNvPr id="64" name="橢圓 63"/>
+              <p:cNvSpPr/>
+              <p:nvPr/>
+            </p:nvSpPr>
+            <p:spPr>
+              <a:xfrm>
+                <a:off x="8223915" y="4479981"/>
+                <a:ext cx="2694568" cy="461181"/>
+              </a:xfrm>
+              <a:prstGeom prst="ellipse">
+                <a:avLst/>
+              </a:prstGeom>
+              <a:solidFill>
+                <a:schemeClr val="accent1"/>
+              </a:solidFill>
+            </p:spPr>
+            <p:style>
+              <a:lnRef idx="2">
+                <a:schemeClr val="accent1">
+                  <a:shade val="50000"/>
+                </a:schemeClr>
+              </a:lnRef>
+              <a:fillRef idx="1">
+                <a:schemeClr val="accent1"/>
+              </a:fillRef>
+              <a:effectRef idx="0">
+                <a:schemeClr val="accent1"/>
+              </a:effectRef>
+              <a:fontRef idx="minor">
+                <a:schemeClr val="lt1"/>
+              </a:fontRef>
+            </p:style>
+            <p:txBody>
+              <a:bodyPr rtlCol="0" anchor="ctr"/>
+              <a:lstStyle/>
+              <a:p>
+                <a:pPr algn="ctr"/>
+                <a:r>
+                  <a:rPr lang="zh-TW" altLang="en-US" sz="1100" dirty="0"/>
+                  <a:t>現金、信用卡、悠遊</a:t>
+                </a:r>
+                <a:r>
+                  <a:rPr lang="zh-TW" altLang="en-US" sz="1100" dirty="0" smtClean="0"/>
+                  <a:t>卡</a:t>
+                </a:r>
+                <a:r>
+                  <a:rPr lang="en-US" altLang="zh-TW" sz="1100" dirty="0" smtClean="0"/>
+                  <a:t>…</a:t>
+                </a:r>
+                <a:r>
+                  <a:rPr lang="zh-TW" altLang="en-US" sz="1100" dirty="0" smtClean="0"/>
+                  <a:t>新增</a:t>
+                </a:r>
+                <a:r>
+                  <a:rPr lang="zh-TW" altLang="en-US" sz="1100" dirty="0"/>
+                  <a:t>、修改、刪除</a:t>
+                </a:r>
+                <a:endParaRPr lang="zh-TW" altLang="en-US" sz="1050" dirty="0"/>
+              </a:p>
+            </p:txBody>
+          </p:sp>
+          <p:cxnSp>
+            <p:nvCxnSpPr>
+              <p:cNvPr id="26" name="直線接點 25"/>
+              <p:cNvCxnSpPr>
+                <a:stCxn id="58" idx="6"/>
+                <a:endCxn id="62" idx="2"/>
+              </p:cNvCxnSpPr>
+              <p:nvPr/>
+            </p:nvCxnSpPr>
+            <p:spPr>
+              <a:xfrm>
+                <a:off x="7232572" y="3517865"/>
+                <a:ext cx="1004624" cy="0"/>
+              </a:xfrm>
+              <a:prstGeom prst="line">
+                <a:avLst/>
+              </a:prstGeom>
+            </p:spPr>
+            <p:style>
+              <a:lnRef idx="1">
+                <a:schemeClr val="accent1"/>
+              </a:lnRef>
+              <a:fillRef idx="0">
+                <a:schemeClr val="accent1"/>
+              </a:fillRef>
+              <a:effectRef idx="0">
+                <a:schemeClr val="accent1"/>
+              </a:effectRef>
+              <a:fontRef idx="minor">
+                <a:schemeClr val="tx1"/>
+              </a:fontRef>
+            </p:style>
+          </p:cxnSp>
+          <p:sp>
+            <p:nvSpPr>
+              <p:cNvPr id="65" name="文字方塊 64"/>
+              <p:cNvSpPr txBox="1"/>
+              <p:nvPr/>
+            </p:nvSpPr>
+            <p:spPr>
+              <a:xfrm>
+                <a:off x="7166727" y="3243691"/>
+                <a:ext cx="1148071" cy="307777"/>
+              </a:xfrm>
+              <a:prstGeom prst="rect">
+                <a:avLst/>
+              </a:prstGeom>
+              <a:noFill/>
+            </p:spPr>
+            <p:txBody>
+              <a:bodyPr wrap="none" rtlCol="0">
+                <a:spAutoFit/>
+              </a:bodyPr>
+              <a:lstStyle/>
+              <a:p>
+                <a:r>
+                  <a:rPr lang="en-US" altLang="zh-TW" sz="1400" dirty="0" smtClean="0">
+                    <a:solidFill>
+                      <a:schemeClr val="accent1"/>
+                    </a:solidFill>
+                  </a:rPr>
+                  <a:t>&lt;&lt;include&gt;&gt;</a:t>
+                </a:r>
+                <a:endParaRPr lang="zh-TW" altLang="en-US" sz="1400" dirty="0">
+                  <a:solidFill>
+                    <a:schemeClr val="accent1"/>
+                  </a:solidFill>
+                </a:endParaRPr>
+              </a:p>
+            </p:txBody>
+          </p:sp>
+          <p:cxnSp>
+            <p:nvCxnSpPr>
+              <p:cNvPr id="41" name="直線接點 40"/>
+              <p:cNvCxnSpPr>
+                <a:stCxn id="60" idx="6"/>
+                <a:endCxn id="63" idx="2"/>
+              </p:cNvCxnSpPr>
+              <p:nvPr/>
+            </p:nvCxnSpPr>
+            <p:spPr>
+              <a:xfrm>
+                <a:off x="7232572" y="4114219"/>
+                <a:ext cx="1001698" cy="0"/>
+              </a:xfrm>
+              <a:prstGeom prst="line">
+                <a:avLst/>
+              </a:prstGeom>
+            </p:spPr>
+            <p:style>
+              <a:lnRef idx="1">
+                <a:schemeClr val="accent1"/>
+              </a:lnRef>
+              <a:fillRef idx="0">
+                <a:schemeClr val="accent1"/>
+              </a:fillRef>
+              <a:effectRef idx="0">
+                <a:schemeClr val="accent1"/>
+              </a:effectRef>
+              <a:fontRef idx="minor">
+                <a:schemeClr val="tx1"/>
+              </a:fontRef>
+            </p:style>
+          </p:cxnSp>
+          <p:cxnSp>
+            <p:nvCxnSpPr>
+              <p:cNvPr id="67" name="直線接點 66"/>
+              <p:cNvCxnSpPr>
+                <a:stCxn id="61" idx="6"/>
+                <a:endCxn id="64" idx="2"/>
+              </p:cNvCxnSpPr>
+              <p:nvPr/>
+            </p:nvCxnSpPr>
+            <p:spPr>
+              <a:xfrm flipV="1">
+                <a:off x="7232572" y="4710572"/>
+                <a:ext cx="991343" cy="1"/>
+              </a:xfrm>
+              <a:prstGeom prst="line">
+                <a:avLst/>
+              </a:prstGeom>
+            </p:spPr>
+            <p:style>
+              <a:lnRef idx="1">
+                <a:schemeClr val="accent1"/>
+              </a:lnRef>
+              <a:fillRef idx="0">
+                <a:schemeClr val="accent1"/>
+              </a:fillRef>
+              <a:effectRef idx="0">
+                <a:schemeClr val="accent1"/>
+              </a:effectRef>
+              <a:fontRef idx="minor">
+                <a:schemeClr val="tx1"/>
+              </a:fontRef>
+            </p:style>
+          </p:cxnSp>
+          <p:sp>
+            <p:nvSpPr>
+              <p:cNvPr id="68" name="文字方塊 67"/>
+              <p:cNvSpPr txBox="1"/>
+              <p:nvPr/>
+            </p:nvSpPr>
+            <p:spPr>
+              <a:xfrm>
+                <a:off x="7175324" y="3825156"/>
+                <a:ext cx="1148071" cy="307777"/>
+              </a:xfrm>
+              <a:prstGeom prst="rect">
+                <a:avLst/>
+              </a:prstGeom>
+              <a:noFill/>
+            </p:spPr>
+            <p:txBody>
+              <a:bodyPr wrap="none" rtlCol="0">
+                <a:spAutoFit/>
+              </a:bodyPr>
+              <a:lstStyle/>
+              <a:p>
+                <a:r>
+                  <a:rPr lang="en-US" altLang="zh-TW" sz="1400" dirty="0" smtClean="0">
+                    <a:solidFill>
+                      <a:schemeClr val="accent1"/>
+                    </a:solidFill>
+                  </a:rPr>
+                  <a:t>&lt;&lt;include&gt;&gt;</a:t>
+                </a:r>
+                <a:endParaRPr lang="zh-TW" altLang="en-US" sz="1400" dirty="0">
+                  <a:solidFill>
+                    <a:schemeClr val="accent1"/>
+                  </a:solidFill>
+                </a:endParaRPr>
+              </a:p>
+            </p:txBody>
+          </p:sp>
+          <p:sp>
+            <p:nvSpPr>
+              <p:cNvPr id="69" name="文字方塊 68"/>
+              <p:cNvSpPr txBox="1"/>
+              <p:nvPr/>
+            </p:nvSpPr>
+            <p:spPr>
+              <a:xfrm>
+                <a:off x="7175324" y="4398933"/>
+                <a:ext cx="1148071" cy="307777"/>
+              </a:xfrm>
+              <a:prstGeom prst="rect">
+                <a:avLst/>
+              </a:prstGeom>
+              <a:noFill/>
+            </p:spPr>
+            <p:txBody>
+              <a:bodyPr wrap="none" rtlCol="0">
+                <a:spAutoFit/>
+              </a:bodyPr>
+              <a:lstStyle/>
+              <a:p>
+                <a:r>
+                  <a:rPr lang="en-US" altLang="zh-TW" sz="1400" dirty="0" smtClean="0">
+                    <a:solidFill>
+                      <a:schemeClr val="accent1"/>
+                    </a:solidFill>
+                  </a:rPr>
+                  <a:t>&lt;&lt;include&gt;&gt;</a:t>
+                </a:r>
+                <a:endParaRPr lang="zh-TW" altLang="en-US" sz="1400" dirty="0">
+                  <a:solidFill>
+                    <a:schemeClr val="accent1"/>
+                  </a:solidFill>
+                </a:endParaRPr>
+              </a:p>
+            </p:txBody>
+          </p:sp>
+        </p:grpSp>
+        <p:grpSp>
+          <p:nvGrpSpPr>
+            <p:cNvPr id="79" name="群組 78"/>
+            <p:cNvGrpSpPr/>
+            <p:nvPr/>
+          </p:nvGrpSpPr>
+          <p:grpSpPr>
+            <a:xfrm>
+              <a:off x="4074961" y="5504031"/>
+              <a:ext cx="4542361" cy="1578144"/>
+              <a:chOff x="5715000" y="5278561"/>
+              <a:chExt cx="4542361" cy="1578144"/>
+            </a:xfrm>
+          </p:grpSpPr>
+          <p:sp>
+            <p:nvSpPr>
+              <p:cNvPr id="72" name="橢圓 71"/>
+              <p:cNvSpPr/>
+              <p:nvPr/>
+            </p:nvSpPr>
+            <p:spPr>
+              <a:xfrm>
+                <a:off x="5715000" y="5317002"/>
+                <a:ext cx="1517572" cy="461181"/>
+              </a:xfrm>
+              <a:prstGeom prst="ellipse">
+                <a:avLst/>
+              </a:prstGeom>
+              <a:solidFill>
+                <a:srgbClr val="92D050"/>
+              </a:solidFill>
+            </p:spPr>
+            <p:style>
+              <a:lnRef idx="2">
+                <a:schemeClr val="accent1">
+                  <a:shade val="50000"/>
+                </a:schemeClr>
+              </a:lnRef>
+              <a:fillRef idx="1">
+                <a:schemeClr val="accent1"/>
+              </a:fillRef>
+              <a:effectRef idx="0">
+                <a:schemeClr val="accent1"/>
+              </a:effectRef>
+              <a:fontRef idx="minor">
+                <a:schemeClr val="lt1"/>
+              </a:fontRef>
+            </p:style>
+            <p:txBody>
+              <a:bodyPr rtlCol="0" anchor="ctr"/>
+              <a:lstStyle/>
+              <a:p>
+                <a:pPr algn="ctr"/>
+                <a:r>
+                  <a:rPr lang="zh-TW" altLang="en-US" sz="1600" dirty="0" smtClean="0"/>
+                  <a:t>登</a:t>
+                </a:r>
+                <a:r>
+                  <a:rPr lang="zh-TW" altLang="en-US" sz="1600" dirty="0"/>
+                  <a:t>入</a:t>
+                </a:r>
+              </a:p>
+            </p:txBody>
+          </p:sp>
+          <p:sp>
+            <p:nvSpPr>
+              <p:cNvPr id="73" name="橢圓 72"/>
+              <p:cNvSpPr/>
+              <p:nvPr/>
+            </p:nvSpPr>
+            <p:spPr>
+              <a:xfrm>
+                <a:off x="5715000" y="5856263"/>
+                <a:ext cx="1517572" cy="461181"/>
+              </a:xfrm>
+              <a:prstGeom prst="ellipse">
+                <a:avLst/>
+              </a:prstGeom>
+              <a:solidFill>
+                <a:srgbClr val="92D050"/>
+              </a:solidFill>
+            </p:spPr>
+            <p:style>
+              <a:lnRef idx="2">
+                <a:schemeClr val="accent1">
+                  <a:shade val="50000"/>
+                </a:schemeClr>
+              </a:lnRef>
+              <a:fillRef idx="1">
+                <a:schemeClr val="accent1"/>
+              </a:fillRef>
+              <a:effectRef idx="0">
+                <a:schemeClr val="accent1"/>
+              </a:effectRef>
+              <a:fontRef idx="minor">
+                <a:schemeClr val="lt1"/>
+              </a:fontRef>
+            </p:style>
+            <p:txBody>
+              <a:bodyPr rtlCol="0" anchor="ctr"/>
+              <a:lstStyle/>
+              <a:p>
+                <a:pPr algn="ctr"/>
+                <a:r>
+                  <a:rPr lang="zh-TW" altLang="en-US" sz="1400" dirty="0" smtClean="0"/>
+                  <a:t>幣別轉換</a:t>
+                </a:r>
+                <a:endParaRPr lang="zh-TW" altLang="en-US" sz="1400" dirty="0"/>
+              </a:p>
+            </p:txBody>
+          </p:sp>
+          <p:sp>
+            <p:nvSpPr>
+              <p:cNvPr id="74" name="橢圓 73"/>
+              <p:cNvSpPr/>
+              <p:nvPr/>
+            </p:nvSpPr>
+            <p:spPr>
+              <a:xfrm>
+                <a:off x="5715000" y="6395524"/>
+                <a:ext cx="1517572" cy="461181"/>
+              </a:xfrm>
+              <a:prstGeom prst="ellipse">
+                <a:avLst/>
+              </a:prstGeom>
+              <a:solidFill>
+                <a:srgbClr val="92D050"/>
+              </a:solidFill>
+            </p:spPr>
+            <p:style>
+              <a:lnRef idx="2">
+                <a:schemeClr val="accent1">
+                  <a:shade val="50000"/>
+                </a:schemeClr>
+              </a:lnRef>
+              <a:fillRef idx="1">
+                <a:schemeClr val="accent1"/>
+              </a:fillRef>
+              <a:effectRef idx="0">
+                <a:schemeClr val="accent1"/>
+              </a:effectRef>
+              <a:fontRef idx="minor">
+                <a:schemeClr val="lt1"/>
+              </a:fontRef>
+            </p:style>
+            <p:txBody>
+              <a:bodyPr rtlCol="0" anchor="ctr"/>
+              <a:lstStyle/>
+              <a:p>
+                <a:pPr algn="ctr"/>
+                <a:r>
+                  <a:rPr lang="en-US" altLang="zh-TW" sz="1600" dirty="0" smtClean="0"/>
+                  <a:t>UI</a:t>
+                </a:r>
+                <a:r>
+                  <a:rPr lang="zh-TW" altLang="en-US" sz="1600" dirty="0" smtClean="0"/>
+                  <a:t>設計</a:t>
+                </a:r>
+                <a:endParaRPr lang="zh-TW" altLang="en-US" sz="1600" dirty="0"/>
+              </a:p>
+            </p:txBody>
+          </p:sp>
+          <p:sp>
+            <p:nvSpPr>
+              <p:cNvPr id="75" name="橢圓 74"/>
+              <p:cNvSpPr/>
+              <p:nvPr/>
+            </p:nvSpPr>
+            <p:spPr>
+              <a:xfrm>
+                <a:off x="8223915" y="5317002"/>
+                <a:ext cx="2033446" cy="461181"/>
+              </a:xfrm>
+              <a:prstGeom prst="ellipse">
+                <a:avLst/>
+              </a:prstGeom>
+              <a:solidFill>
+                <a:srgbClr val="92D050"/>
+              </a:solidFill>
+            </p:spPr>
+            <p:style>
+              <a:lnRef idx="2">
+                <a:schemeClr val="accent1">
+                  <a:shade val="50000"/>
+                </a:schemeClr>
+              </a:lnRef>
+              <a:fillRef idx="1">
+                <a:schemeClr val="accent1"/>
+              </a:fillRef>
+              <a:effectRef idx="0">
+                <a:schemeClr val="accent1"/>
+              </a:effectRef>
+              <a:fontRef idx="minor">
+                <a:schemeClr val="lt1"/>
+              </a:fontRef>
+            </p:style>
+            <p:txBody>
+              <a:bodyPr rtlCol="0" anchor="ctr"/>
+              <a:lstStyle/>
+              <a:p>
+                <a:pPr algn="ctr"/>
+                <a:r>
+                  <a:rPr lang="zh-TW" altLang="en-US" sz="1200" dirty="0" smtClean="0"/>
+                  <a:t>數字、圖形登入</a:t>
+                </a:r>
+                <a:endParaRPr lang="zh-TW" altLang="en-US" sz="1200" dirty="0"/>
+              </a:p>
+            </p:txBody>
+          </p:sp>
+          <p:cxnSp>
+            <p:nvCxnSpPr>
+              <p:cNvPr id="77" name="直線接點 76"/>
+              <p:cNvCxnSpPr>
+                <a:stCxn id="72" idx="6"/>
+                <a:endCxn id="75" idx="2"/>
+              </p:cNvCxnSpPr>
+              <p:nvPr/>
+            </p:nvCxnSpPr>
+            <p:spPr>
+              <a:xfrm>
+                <a:off x="7232572" y="5547593"/>
+                <a:ext cx="991343" cy="0"/>
+              </a:xfrm>
+              <a:prstGeom prst="line">
+                <a:avLst/>
+              </a:prstGeom>
+              <a:ln>
+                <a:solidFill>
+                  <a:srgbClr val="92D050"/>
+                </a:solidFill>
+              </a:ln>
+            </p:spPr>
+            <p:style>
+              <a:lnRef idx="1">
+                <a:schemeClr val="accent1"/>
+              </a:lnRef>
+              <a:fillRef idx="0">
+                <a:schemeClr val="accent1"/>
+              </a:fillRef>
+              <a:effectRef idx="0">
+                <a:schemeClr val="accent1"/>
+              </a:effectRef>
+              <a:fontRef idx="minor">
+                <a:schemeClr val="tx1"/>
+              </a:fontRef>
+            </p:style>
+          </p:cxnSp>
+          <p:sp>
+            <p:nvSpPr>
+              <p:cNvPr id="78" name="文字方塊 77"/>
+              <p:cNvSpPr txBox="1"/>
+              <p:nvPr/>
+            </p:nvSpPr>
+            <p:spPr>
+              <a:xfrm>
+                <a:off x="7166727" y="5278561"/>
+                <a:ext cx="1148071" cy="307777"/>
+              </a:xfrm>
+              <a:prstGeom prst="rect">
+                <a:avLst/>
+              </a:prstGeom>
+              <a:noFill/>
+            </p:spPr>
+            <p:txBody>
+              <a:bodyPr wrap="none" rtlCol="0">
+                <a:spAutoFit/>
+              </a:bodyPr>
+              <a:lstStyle/>
+              <a:p>
+                <a:r>
+                  <a:rPr lang="en-US" altLang="zh-TW" sz="1400" dirty="0" smtClean="0">
+                    <a:solidFill>
+                      <a:srgbClr val="92D050"/>
+                    </a:solidFill>
+                  </a:rPr>
+                  <a:t>&lt;&lt;include&gt;&gt;</a:t>
+                </a:r>
+                <a:endParaRPr lang="zh-TW" altLang="en-US" sz="1400" dirty="0">
+                  <a:solidFill>
+                    <a:srgbClr val="92D050"/>
+                  </a:solidFill>
+                </a:endParaRPr>
+              </a:p>
+            </p:txBody>
+          </p:sp>
+        </p:grpSp>
+        <p:grpSp>
+          <p:nvGrpSpPr>
+            <p:cNvPr id="93" name="群組 92"/>
+            <p:cNvGrpSpPr/>
+            <p:nvPr/>
+          </p:nvGrpSpPr>
+          <p:grpSpPr>
+            <a:xfrm>
+              <a:off x="6598901" y="2412668"/>
+              <a:ext cx="5216764" cy="1138799"/>
+              <a:chOff x="5715013" y="5037604"/>
+              <a:chExt cx="5216764" cy="1138799"/>
+            </a:xfrm>
+          </p:grpSpPr>
+          <p:sp>
+            <p:nvSpPr>
+              <p:cNvPr id="81" name="橢圓 80"/>
+              <p:cNvSpPr/>
+              <p:nvPr/>
+            </p:nvSpPr>
+            <p:spPr>
+              <a:xfrm>
+                <a:off x="5715013" y="5118868"/>
+                <a:ext cx="1517572" cy="461181"/>
+              </a:xfrm>
+              <a:prstGeom prst="ellipse">
+                <a:avLst/>
+              </a:prstGeom>
+              <a:solidFill>
+                <a:srgbClr val="FFC000"/>
+              </a:solidFill>
+            </p:spPr>
+            <p:style>
+              <a:lnRef idx="2">
+                <a:schemeClr val="accent1">
+                  <a:shade val="50000"/>
+                </a:schemeClr>
+              </a:lnRef>
+              <a:fillRef idx="1">
+                <a:schemeClr val="accent1"/>
+              </a:fillRef>
+              <a:effectRef idx="0">
+                <a:schemeClr val="accent1"/>
+              </a:effectRef>
+              <a:fontRef idx="minor">
+                <a:schemeClr val="lt1"/>
+              </a:fontRef>
+            </p:style>
+            <p:txBody>
+              <a:bodyPr rtlCol="0" anchor="ctr"/>
+              <a:lstStyle/>
+              <a:p>
+                <a:pPr algn="ctr"/>
+                <a:r>
+                  <a:rPr lang="zh-TW" altLang="en-US" sz="1600" dirty="0" smtClean="0"/>
+                  <a:t>備份</a:t>
+                </a:r>
+                <a:endParaRPr lang="zh-TW" altLang="en-US" sz="1600" dirty="0"/>
+              </a:p>
+            </p:txBody>
+          </p:sp>
+          <p:sp>
+            <p:nvSpPr>
+              <p:cNvPr id="82" name="橢圓 81"/>
+              <p:cNvSpPr/>
+              <p:nvPr/>
+            </p:nvSpPr>
+            <p:spPr>
+              <a:xfrm>
+                <a:off x="5715013" y="5715222"/>
+                <a:ext cx="1517572" cy="461181"/>
+              </a:xfrm>
+              <a:prstGeom prst="ellipse">
+                <a:avLst/>
+              </a:prstGeom>
+              <a:solidFill>
+                <a:srgbClr val="FFC000"/>
+              </a:solidFill>
+            </p:spPr>
+            <p:style>
+              <a:lnRef idx="2">
+                <a:schemeClr val="accent1">
+                  <a:shade val="50000"/>
+                </a:schemeClr>
+              </a:lnRef>
+              <a:fillRef idx="1">
+                <a:schemeClr val="accent1"/>
+              </a:fillRef>
+              <a:effectRef idx="0">
+                <a:schemeClr val="accent1"/>
+              </a:effectRef>
+              <a:fontRef idx="minor">
+                <a:schemeClr val="lt1"/>
+              </a:fontRef>
+            </p:style>
+            <p:txBody>
+              <a:bodyPr rtlCol="0" anchor="ctr"/>
+              <a:lstStyle/>
+              <a:p>
+                <a:pPr algn="ctr"/>
+                <a:r>
+                  <a:rPr lang="zh-TW" altLang="en-US" sz="1200" dirty="0" smtClean="0"/>
+                  <a:t>資料庫連結</a:t>
+                </a:r>
+                <a:endParaRPr lang="zh-TW" altLang="en-US" sz="1200" dirty="0"/>
+              </a:p>
+            </p:txBody>
+          </p:sp>
+          <p:sp>
+            <p:nvSpPr>
+              <p:cNvPr id="84" name="橢圓 83"/>
+              <p:cNvSpPr/>
+              <p:nvPr/>
+            </p:nvSpPr>
+            <p:spPr>
+              <a:xfrm>
+                <a:off x="8237209" y="5118868"/>
+                <a:ext cx="2694568" cy="461181"/>
+              </a:xfrm>
+              <a:prstGeom prst="ellipse">
+                <a:avLst/>
+              </a:prstGeom>
+              <a:solidFill>
+                <a:srgbClr val="FFC000"/>
+              </a:solidFill>
+            </p:spPr>
+            <p:style>
+              <a:lnRef idx="2">
+                <a:schemeClr val="accent1">
+                  <a:shade val="50000"/>
+                </a:schemeClr>
+              </a:lnRef>
+              <a:fillRef idx="1">
+                <a:schemeClr val="accent1"/>
+              </a:fillRef>
+              <a:effectRef idx="0">
+                <a:schemeClr val="accent1"/>
+              </a:effectRef>
+              <a:fontRef idx="minor">
+                <a:schemeClr val="lt1"/>
+              </a:fontRef>
+            </p:style>
+            <p:txBody>
+              <a:bodyPr rtlCol="0" anchor="ctr"/>
+              <a:lstStyle/>
+              <a:p>
+                <a:pPr algn="ctr"/>
+                <a:r>
+                  <a:rPr lang="en-US" altLang="zh-TW" sz="1400" dirty="0" smtClean="0"/>
+                  <a:t>Reset</a:t>
+                </a:r>
+                <a:r>
+                  <a:rPr lang="zh-TW" altLang="en-US" sz="1400" dirty="0" smtClean="0"/>
+                  <a:t>、輸出</a:t>
+                </a:r>
+                <a:r>
+                  <a:rPr lang="en-US" altLang="zh-TW" sz="1400" dirty="0" smtClean="0"/>
+                  <a:t>csv</a:t>
+                </a:r>
+                <a:r>
+                  <a:rPr lang="zh-TW" altLang="en-US" sz="1400" dirty="0" smtClean="0"/>
+                  <a:t>檔</a:t>
+                </a:r>
+                <a:endParaRPr lang="zh-TW" altLang="en-US" sz="1200" dirty="0"/>
+              </a:p>
+            </p:txBody>
+          </p:sp>
+          <p:sp>
+            <p:nvSpPr>
+              <p:cNvPr id="85" name="橢圓 84"/>
+              <p:cNvSpPr/>
+              <p:nvPr/>
+            </p:nvSpPr>
+            <p:spPr>
+              <a:xfrm>
+                <a:off x="8234283" y="5715222"/>
+                <a:ext cx="2694568" cy="461181"/>
+              </a:xfrm>
+              <a:prstGeom prst="ellipse">
+                <a:avLst/>
+              </a:prstGeom>
+              <a:solidFill>
+                <a:srgbClr val="FFC000"/>
+              </a:solidFill>
+            </p:spPr>
+            <p:style>
+              <a:lnRef idx="2">
+                <a:schemeClr val="accent1">
+                  <a:shade val="50000"/>
+                </a:schemeClr>
+              </a:lnRef>
+              <a:fillRef idx="1">
+                <a:schemeClr val="accent1"/>
+              </a:fillRef>
+              <a:effectRef idx="0">
+                <a:schemeClr val="accent1"/>
+              </a:effectRef>
+              <a:fontRef idx="minor">
+                <a:schemeClr val="lt1"/>
+              </a:fontRef>
+            </p:style>
+            <p:txBody>
+              <a:bodyPr rtlCol="0" anchor="ctr"/>
+              <a:lstStyle/>
+              <a:p>
+                <a:pPr algn="ctr"/>
+                <a:r>
+                  <a:rPr lang="en-US" altLang="zh-TW" dirty="0" smtClean="0"/>
+                  <a:t>SQLite</a:t>
+                </a:r>
+                <a:endParaRPr lang="zh-TW" altLang="en-US" sz="1600" dirty="0"/>
+              </a:p>
+            </p:txBody>
+          </p:sp>
+          <p:cxnSp>
+            <p:nvCxnSpPr>
+              <p:cNvPr id="87" name="直線接點 86"/>
+              <p:cNvCxnSpPr>
+                <a:stCxn id="81" idx="6"/>
+                <a:endCxn id="84" idx="2"/>
+              </p:cNvCxnSpPr>
+              <p:nvPr/>
+            </p:nvCxnSpPr>
+            <p:spPr>
+              <a:xfrm>
+                <a:off x="7232585" y="5349459"/>
+                <a:ext cx="1004624" cy="0"/>
+              </a:xfrm>
+              <a:prstGeom prst="line">
+                <a:avLst/>
+              </a:prstGeom>
+              <a:ln>
+                <a:solidFill>
+                  <a:srgbClr val="FFC000"/>
+                </a:solidFill>
+              </a:ln>
+            </p:spPr>
+            <p:style>
+              <a:lnRef idx="1">
+                <a:schemeClr val="accent1"/>
+              </a:lnRef>
+              <a:fillRef idx="0">
+                <a:schemeClr val="accent1"/>
+              </a:fillRef>
+              <a:effectRef idx="0">
+                <a:schemeClr val="accent1"/>
+              </a:effectRef>
+              <a:fontRef idx="minor">
+                <a:schemeClr val="tx1"/>
+              </a:fontRef>
+            </p:style>
+          </p:cxnSp>
+          <p:sp>
+            <p:nvSpPr>
+              <p:cNvPr id="88" name="文字方塊 87"/>
+              <p:cNvSpPr txBox="1"/>
+              <p:nvPr/>
+            </p:nvSpPr>
+            <p:spPr>
+              <a:xfrm>
+                <a:off x="7166727" y="5037604"/>
+                <a:ext cx="1148071" cy="307777"/>
+              </a:xfrm>
+              <a:prstGeom prst="rect">
+                <a:avLst/>
+              </a:prstGeom>
+              <a:noFill/>
+            </p:spPr>
+            <p:txBody>
+              <a:bodyPr wrap="none" rtlCol="0">
+                <a:spAutoFit/>
+              </a:bodyPr>
+              <a:lstStyle/>
+              <a:p>
+                <a:r>
+                  <a:rPr lang="en-US" altLang="zh-TW" sz="1400" dirty="0" smtClean="0">
+                    <a:solidFill>
+                      <a:srgbClr val="FFC000"/>
+                    </a:solidFill>
+                  </a:rPr>
+                  <a:t>&lt;&lt;include&gt;&gt;</a:t>
+                </a:r>
+                <a:endParaRPr lang="zh-TW" altLang="en-US" sz="1400" dirty="0">
+                  <a:solidFill>
+                    <a:srgbClr val="FFC000"/>
+                  </a:solidFill>
+                </a:endParaRPr>
+              </a:p>
+            </p:txBody>
+          </p:sp>
+          <p:cxnSp>
+            <p:nvCxnSpPr>
+              <p:cNvPr id="89" name="直線接點 88"/>
+              <p:cNvCxnSpPr>
+                <a:stCxn id="82" idx="6"/>
+                <a:endCxn id="85" idx="2"/>
+              </p:cNvCxnSpPr>
+              <p:nvPr/>
+            </p:nvCxnSpPr>
+            <p:spPr>
+              <a:xfrm>
+                <a:off x="7232585" y="5945813"/>
+                <a:ext cx="1001698" cy="0"/>
+              </a:xfrm>
+              <a:prstGeom prst="line">
+                <a:avLst/>
+              </a:prstGeom>
+              <a:ln>
+                <a:solidFill>
+                  <a:srgbClr val="FFC000"/>
+                </a:solidFill>
+              </a:ln>
+            </p:spPr>
+            <p:style>
+              <a:lnRef idx="1">
+                <a:schemeClr val="accent1"/>
+              </a:lnRef>
+              <a:fillRef idx="0">
+                <a:schemeClr val="accent1"/>
+              </a:fillRef>
+              <a:effectRef idx="0">
+                <a:schemeClr val="accent1"/>
+              </a:effectRef>
+              <a:fontRef idx="minor">
+                <a:schemeClr val="tx1"/>
+              </a:fontRef>
+            </p:style>
+          </p:cxnSp>
+          <p:sp>
+            <p:nvSpPr>
+              <p:cNvPr id="91" name="文字方塊 90"/>
+              <p:cNvSpPr txBox="1"/>
+              <p:nvPr/>
+            </p:nvSpPr>
+            <p:spPr>
+              <a:xfrm>
+                <a:off x="7175324" y="5635380"/>
+                <a:ext cx="1148071" cy="307777"/>
+              </a:xfrm>
+              <a:prstGeom prst="rect">
+                <a:avLst/>
+              </a:prstGeom>
+              <a:noFill/>
+            </p:spPr>
+            <p:txBody>
+              <a:bodyPr wrap="none" rtlCol="0">
+                <a:spAutoFit/>
+              </a:bodyPr>
+              <a:lstStyle/>
+              <a:p>
+                <a:r>
+                  <a:rPr lang="en-US" altLang="zh-TW" sz="1400" dirty="0" smtClean="0">
+                    <a:solidFill>
+                      <a:srgbClr val="FFC000"/>
+                    </a:solidFill>
+                  </a:rPr>
+                  <a:t>&lt;&lt;include&gt;&gt;</a:t>
+                </a:r>
+                <a:endParaRPr lang="zh-TW" altLang="en-US" sz="1400" dirty="0">
+                  <a:solidFill>
+                    <a:srgbClr val="FFC000"/>
+                  </a:solidFill>
+                </a:endParaRPr>
+              </a:p>
+            </p:txBody>
+          </p:sp>
+        </p:grpSp>
+      </p:grpSp>
       <p:cxnSp>
         <p:nvCxnSpPr>
-          <p:cNvPr id="36" name="直線單箭頭接點 35"/>
+          <p:cNvPr id="101" name="直線單箭頭接點 100"/>
           <p:cNvCxnSpPr>
-            <a:endCxn id="27" idx="2"/>
+            <a:stCxn id="16" idx="3"/>
+            <a:endCxn id="20" idx="2"/>
           </p:cNvCxnSpPr>
           <p:nvPr/>
         </p:nvCxnSpPr>
         <p:spPr>
           <a:xfrm flipV="1">
-            <a:off x="4041648" y="522125"/>
-            <a:ext cx="2156841" cy="2691891"/>
+            <a:off x="2333763" y="824347"/>
+            <a:ext cx="2136792" cy="2892266"/>
           </a:xfrm>
           <a:prstGeom prst="straightConnector1">
             <a:avLst/>
           </a:prstGeom>
           <a:ln>
+            <a:solidFill>
+              <a:schemeClr val="tx1"/>
+            </a:solidFill>
             <a:tailEnd type="triangle"/>
           </a:ln>
         </p:spPr>
         <p:style>
-          <a:lnRef idx="3">
-            <a:schemeClr val="dk1"/>
+          <a:lnRef idx="1">
+            <a:schemeClr val="accent1"/>
           </a:lnRef>
           <a:fillRef idx="0">
-            <a:schemeClr val="dk1"/>
+            <a:schemeClr val="accent1"/>
           </a:fillRef>
-          <a:effectRef idx="2">
-            <a:schemeClr val="dk1"/>
+          <a:effectRef idx="0">
+            <a:schemeClr val="accent1"/>
           </a:effectRef>
           <a:fontRef idx="minor">
             <a:schemeClr val="tx1"/>
@@ -7412,33 +8397,37 @@
       </p:cxnSp>
       <p:cxnSp>
         <p:nvCxnSpPr>
-          <p:cNvPr id="38" name="直線單箭頭接點 37"/>
+          <p:cNvPr id="103" name="直線單箭頭接點 102"/>
           <p:cNvCxnSpPr>
-            <a:endCxn id="28" idx="2"/>
+            <a:stCxn id="16" idx="3"/>
+            <a:endCxn id="43" idx="2"/>
           </p:cNvCxnSpPr>
           <p:nvPr/>
         </p:nvCxnSpPr>
         <p:spPr>
           <a:xfrm flipV="1">
-            <a:off x="4041648" y="1284213"/>
-            <a:ext cx="2176843" cy="1929803"/>
+            <a:off x="2333763" y="1296610"/>
+            <a:ext cx="2136792" cy="2420003"/>
           </a:xfrm>
           <a:prstGeom prst="straightConnector1">
             <a:avLst/>
           </a:prstGeom>
           <a:ln>
+            <a:solidFill>
+              <a:schemeClr val="tx1"/>
+            </a:solidFill>
             <a:tailEnd type="triangle"/>
           </a:ln>
         </p:spPr>
         <p:style>
-          <a:lnRef idx="3">
-            <a:schemeClr val="dk1"/>
+          <a:lnRef idx="1">
+            <a:schemeClr val="accent1"/>
           </a:lnRef>
           <a:fillRef idx="0">
-            <a:schemeClr val="dk1"/>
+            <a:schemeClr val="accent1"/>
           </a:fillRef>
-          <a:effectRef idx="2">
-            <a:schemeClr val="dk1"/>
+          <a:effectRef idx="0">
+            <a:schemeClr val="accent1"/>
           </a:effectRef>
           <a:fontRef idx="minor">
             <a:schemeClr val="tx1"/>
@@ -7447,33 +8436,37 @@
       </p:cxnSp>
       <p:cxnSp>
         <p:nvCxnSpPr>
-          <p:cNvPr id="40" name="直線單箭頭接點 39"/>
+          <p:cNvPr id="105" name="直線單箭頭接點 104"/>
           <p:cNvCxnSpPr>
-            <a:endCxn id="29" idx="2"/>
+            <a:stCxn id="16" idx="3"/>
+            <a:endCxn id="47" idx="2"/>
           </p:cNvCxnSpPr>
           <p:nvPr/>
         </p:nvCxnSpPr>
         <p:spPr>
           <a:xfrm flipV="1">
-            <a:off x="4041648" y="2046301"/>
-            <a:ext cx="2156841" cy="1167715"/>
+            <a:off x="2333763" y="1768873"/>
+            <a:ext cx="2136792" cy="1947740"/>
           </a:xfrm>
           <a:prstGeom prst="straightConnector1">
             <a:avLst/>
           </a:prstGeom>
           <a:ln>
+            <a:solidFill>
+              <a:schemeClr val="tx1"/>
+            </a:solidFill>
             <a:tailEnd type="triangle"/>
           </a:ln>
         </p:spPr>
         <p:style>
-          <a:lnRef idx="3">
-            <a:schemeClr val="dk1"/>
+          <a:lnRef idx="1">
+            <a:schemeClr val="accent1"/>
           </a:lnRef>
           <a:fillRef idx="0">
-            <a:schemeClr val="dk1"/>
+            <a:schemeClr val="accent1"/>
           </a:fillRef>
-          <a:effectRef idx="2">
-            <a:schemeClr val="dk1"/>
+          <a:effectRef idx="0">
+            <a:schemeClr val="accent1"/>
           </a:effectRef>
           <a:fontRef idx="minor">
             <a:schemeClr val="tx1"/>
@@ -7482,33 +8475,37 @@
       </p:cxnSp>
       <p:cxnSp>
         <p:nvCxnSpPr>
-          <p:cNvPr id="42" name="直線單箭頭接點 41"/>
+          <p:cNvPr id="107" name="直線單箭頭接點 106"/>
           <p:cNvCxnSpPr>
-            <a:endCxn id="31" idx="2"/>
+            <a:stCxn id="16" idx="3"/>
+            <a:endCxn id="49" idx="2"/>
           </p:cNvCxnSpPr>
           <p:nvPr/>
         </p:nvCxnSpPr>
         <p:spPr>
           <a:xfrm flipV="1">
-            <a:off x="4041648" y="2842217"/>
-            <a:ext cx="1575625" cy="371799"/>
+            <a:off x="2333763" y="2241137"/>
+            <a:ext cx="2136792" cy="1475476"/>
           </a:xfrm>
           <a:prstGeom prst="straightConnector1">
             <a:avLst/>
           </a:prstGeom>
           <a:ln>
+            <a:solidFill>
+              <a:schemeClr val="tx1"/>
+            </a:solidFill>
             <a:tailEnd type="triangle"/>
           </a:ln>
         </p:spPr>
         <p:style>
-          <a:lnRef idx="3">
-            <a:schemeClr val="dk1"/>
+          <a:lnRef idx="1">
+            <a:schemeClr val="accent1"/>
           </a:lnRef>
           <a:fillRef idx="0">
-            <a:schemeClr val="dk1"/>
+            <a:schemeClr val="accent1"/>
           </a:fillRef>
-          <a:effectRef idx="2">
-            <a:schemeClr val="dk1"/>
+          <a:effectRef idx="0">
+            <a:schemeClr val="accent1"/>
           </a:effectRef>
           <a:fontRef idx="minor">
             <a:schemeClr val="tx1"/>
@@ -7517,33 +8514,37 @@
       </p:cxnSp>
       <p:cxnSp>
         <p:nvCxnSpPr>
-          <p:cNvPr id="44" name="直線單箭頭接點 43"/>
+          <p:cNvPr id="109" name="直線單箭頭接點 108"/>
           <p:cNvCxnSpPr>
-            <a:endCxn id="32" idx="2"/>
+            <a:stCxn id="16" idx="3"/>
+            <a:endCxn id="55" idx="2"/>
           </p:cNvCxnSpPr>
           <p:nvPr/>
         </p:nvCxnSpPr>
         <p:spPr>
-          <a:xfrm>
-            <a:off x="4041648" y="3214016"/>
-            <a:ext cx="1575625" cy="455253"/>
+          <a:xfrm flipV="1">
+            <a:off x="2333763" y="2713400"/>
+            <a:ext cx="2136792" cy="1003213"/>
           </a:xfrm>
           <a:prstGeom prst="straightConnector1">
             <a:avLst/>
           </a:prstGeom>
           <a:ln>
+            <a:solidFill>
+              <a:schemeClr val="tx1"/>
+            </a:solidFill>
             <a:tailEnd type="triangle"/>
           </a:ln>
         </p:spPr>
         <p:style>
-          <a:lnRef idx="3">
-            <a:schemeClr val="dk1"/>
+          <a:lnRef idx="1">
+            <a:schemeClr val="accent1"/>
           </a:lnRef>
           <a:fillRef idx="0">
-            <a:schemeClr val="dk1"/>
+            <a:schemeClr val="accent1"/>
           </a:fillRef>
-          <a:effectRef idx="2">
-            <a:schemeClr val="dk1"/>
+          <a:effectRef idx="0">
+            <a:schemeClr val="accent1"/>
           </a:effectRef>
           <a:fontRef idx="minor">
             <a:schemeClr val="tx1"/>
@@ -7552,33 +8553,37 @@
       </p:cxnSp>
       <p:cxnSp>
         <p:nvCxnSpPr>
-          <p:cNvPr id="46" name="直線單箭頭接點 45"/>
+          <p:cNvPr id="111" name="直線單箭頭接點 110"/>
           <p:cNvCxnSpPr>
-            <a:endCxn id="33" idx="2"/>
+            <a:stCxn id="16" idx="3"/>
+            <a:endCxn id="58" idx="2"/>
           </p:cNvCxnSpPr>
           <p:nvPr/>
         </p:nvCxnSpPr>
         <p:spPr>
           <a:xfrm>
-            <a:off x="4041648" y="3214016"/>
-            <a:ext cx="1583626" cy="1282305"/>
+            <a:off x="2333763" y="3716613"/>
+            <a:ext cx="2134247" cy="184798"/>
           </a:xfrm>
           <a:prstGeom prst="straightConnector1">
             <a:avLst/>
           </a:prstGeom>
           <a:ln>
+            <a:solidFill>
+              <a:schemeClr val="tx1"/>
+            </a:solidFill>
             <a:tailEnd type="triangle"/>
           </a:ln>
         </p:spPr>
         <p:style>
-          <a:lnRef idx="3">
-            <a:schemeClr val="dk1"/>
+          <a:lnRef idx="1">
+            <a:schemeClr val="accent1"/>
           </a:lnRef>
           <a:fillRef idx="0">
-            <a:schemeClr val="dk1"/>
+            <a:schemeClr val="accent1"/>
           </a:fillRef>
-          <a:effectRef idx="2">
-            <a:schemeClr val="dk1"/>
+          <a:effectRef idx="0">
+            <a:schemeClr val="accent1"/>
           </a:effectRef>
           <a:fontRef idx="minor">
             <a:schemeClr val="tx1"/>
@@ -7587,33 +8592,37 @@
       </p:cxnSp>
       <p:cxnSp>
         <p:nvCxnSpPr>
-          <p:cNvPr id="48" name="直線單箭頭接點 47"/>
+          <p:cNvPr id="113" name="直線單箭頭接點 112"/>
           <p:cNvCxnSpPr>
-            <a:endCxn id="30" idx="2"/>
+            <a:stCxn id="16" idx="3"/>
+            <a:endCxn id="60" idx="2"/>
           </p:cNvCxnSpPr>
           <p:nvPr/>
         </p:nvCxnSpPr>
         <p:spPr>
           <a:xfrm>
-            <a:off x="4041648" y="3214016"/>
-            <a:ext cx="2212276" cy="2072781"/>
+            <a:off x="2333763" y="3716613"/>
+            <a:ext cx="2134247" cy="703572"/>
           </a:xfrm>
           <a:prstGeom prst="straightConnector1">
             <a:avLst/>
           </a:prstGeom>
           <a:ln>
+            <a:solidFill>
+              <a:schemeClr val="tx1"/>
+            </a:solidFill>
             <a:tailEnd type="triangle"/>
           </a:ln>
         </p:spPr>
         <p:style>
-          <a:lnRef idx="3">
-            <a:schemeClr val="dk1"/>
+          <a:lnRef idx="1">
+            <a:schemeClr val="accent1"/>
           </a:lnRef>
           <a:fillRef idx="0">
-            <a:schemeClr val="dk1"/>
+            <a:schemeClr val="accent1"/>
           </a:fillRef>
-          <a:effectRef idx="2">
-            <a:schemeClr val="dk1"/>
+          <a:effectRef idx="0">
+            <a:schemeClr val="accent1"/>
           </a:effectRef>
           <a:fontRef idx="minor">
             <a:schemeClr val="tx1"/>
@@ -7622,33 +8631,37 @@
       </p:cxnSp>
       <p:cxnSp>
         <p:nvCxnSpPr>
-          <p:cNvPr id="50" name="直線單箭頭接點 49"/>
+          <p:cNvPr id="115" name="直線單箭頭接點 114"/>
           <p:cNvCxnSpPr>
-            <a:endCxn id="34" idx="2"/>
+            <a:stCxn id="16" idx="3"/>
+            <a:endCxn id="81" idx="2"/>
           </p:cNvCxnSpPr>
           <p:nvPr/>
         </p:nvCxnSpPr>
         <p:spPr>
-          <a:xfrm>
-            <a:off x="4041648" y="3214016"/>
-            <a:ext cx="2227135" cy="2826681"/>
+          <a:xfrm flipV="1">
+            <a:off x="2333763" y="2799043"/>
+            <a:ext cx="4328329" cy="917570"/>
           </a:xfrm>
           <a:prstGeom prst="straightConnector1">
             <a:avLst/>
           </a:prstGeom>
           <a:ln>
+            <a:solidFill>
+              <a:schemeClr val="tx1"/>
+            </a:solidFill>
             <a:tailEnd type="triangle"/>
           </a:ln>
         </p:spPr>
         <p:style>
-          <a:lnRef idx="3">
-            <a:schemeClr val="dk1"/>
+          <a:lnRef idx="1">
+            <a:schemeClr val="accent1"/>
           </a:lnRef>
           <a:fillRef idx="0">
-            <a:schemeClr val="dk1"/>
+            <a:schemeClr val="accent1"/>
           </a:fillRef>
-          <a:effectRef idx="2">
-            <a:schemeClr val="dk1"/>
+          <a:effectRef idx="0">
+            <a:schemeClr val="accent1"/>
           </a:effectRef>
           <a:fontRef idx="minor">
             <a:schemeClr val="tx1"/>
@@ -7657,35 +8670,37 @@
       </p:cxnSp>
       <p:cxnSp>
         <p:nvCxnSpPr>
-          <p:cNvPr id="53" name="直線單箭頭接點 52"/>
+          <p:cNvPr id="118" name="直線單箭頭接點 117"/>
           <p:cNvCxnSpPr>
-            <a:stCxn id="28" idx="6"/>
-            <a:endCxn id="51" idx="2"/>
+            <a:stCxn id="16" idx="3"/>
+            <a:endCxn id="82" idx="2"/>
           </p:cNvCxnSpPr>
           <p:nvPr/>
         </p:nvCxnSpPr>
         <p:spPr>
           <a:xfrm flipV="1">
-            <a:off x="7966138" y="1273526"/>
-            <a:ext cx="2119694" cy="10687"/>
+            <a:off x="2333763" y="3317817"/>
+            <a:ext cx="4328329" cy="398796"/>
           </a:xfrm>
           <a:prstGeom prst="straightConnector1">
             <a:avLst/>
           </a:prstGeom>
           <a:ln>
-            <a:prstDash val="lgDash"/>
+            <a:solidFill>
+              <a:schemeClr val="tx1"/>
+            </a:solidFill>
             <a:tailEnd type="triangle"/>
           </a:ln>
         </p:spPr>
         <p:style>
-          <a:lnRef idx="3">
-            <a:schemeClr val="dk1"/>
+          <a:lnRef idx="1">
+            <a:schemeClr val="accent1"/>
           </a:lnRef>
           <a:fillRef idx="0">
-            <a:schemeClr val="dk1"/>
+            <a:schemeClr val="accent1"/>
           </a:fillRef>
-          <a:effectRef idx="2">
-            <a:schemeClr val="dk1"/>
+          <a:effectRef idx="0">
+            <a:schemeClr val="accent1"/>
           </a:effectRef>
           <a:fontRef idx="minor">
             <a:schemeClr val="tx1"/>
@@ -7694,289 +8709,188 @@
       </p:cxnSp>
       <p:cxnSp>
         <p:nvCxnSpPr>
-          <p:cNvPr id="59" name="直線單箭頭接點 58"/>
+          <p:cNvPr id="120" name="直線單箭頭接點 119"/>
           <p:cNvCxnSpPr>
-            <a:stCxn id="29" idx="6"/>
-            <a:endCxn id="54" idx="2"/>
+            <a:stCxn id="16" idx="3"/>
+            <a:endCxn id="61" idx="2"/>
           </p:cNvCxnSpPr>
           <p:nvPr/>
         </p:nvCxnSpPr>
         <p:spPr>
-          <a:xfrm flipV="1">
-            <a:off x="7946136" y="2044927"/>
-            <a:ext cx="2156841" cy="1374"/>
+          <a:xfrm>
+            <a:off x="2333763" y="3716613"/>
+            <a:ext cx="2134247" cy="1222346"/>
           </a:xfrm>
           <a:prstGeom prst="straightConnector1">
             <a:avLst/>
           </a:prstGeom>
           <a:ln>
-            <a:prstDash val="lgDash"/>
+            <a:solidFill>
+              <a:schemeClr val="tx1"/>
+            </a:solidFill>
             <a:tailEnd type="triangle"/>
           </a:ln>
         </p:spPr>
         <p:style>
-          <a:lnRef idx="3">
-            <a:schemeClr val="dk1"/>
+          <a:lnRef idx="1">
+            <a:schemeClr val="accent1"/>
           </a:lnRef>
           <a:fillRef idx="0">
-            <a:schemeClr val="dk1"/>
+            <a:schemeClr val="accent1"/>
           </a:fillRef>
-          <a:effectRef idx="2">
-            <a:schemeClr val="dk1"/>
+          <a:effectRef idx="0">
+            <a:schemeClr val="accent1"/>
           </a:effectRef>
           <a:fontRef idx="minor">
             <a:schemeClr val="tx1"/>
           </a:fontRef>
         </p:style>
       </p:cxnSp>
-      <p:sp>
-        <p:nvSpPr>
-          <p:cNvPr id="35" name="標題 1"/>
-          <p:cNvSpPr>
-            <a:spLocks noGrp="1"/>
-          </p:cNvSpPr>
-          <p:nvPr>
-            <p:ph type="title"/>
-          </p:nvPr>
-        </p:nvSpPr>
+      <p:cxnSp>
+        <p:nvCxnSpPr>
+          <p:cNvPr id="122" name="直線單箭頭接點 121"/>
+          <p:cNvCxnSpPr>
+            <a:stCxn id="16" idx="3"/>
+            <a:endCxn id="72" idx="2"/>
+          </p:cNvCxnSpPr>
+          <p:nvPr/>
+        </p:nvCxnSpPr>
         <p:spPr>
           <a:xfrm>
-            <a:off x="677334" y="609600"/>
-            <a:ext cx="8596668" cy="1320800"/>
+            <a:off x="2333763" y="3716613"/>
+            <a:ext cx="2132730" cy="1734384"/>
           </a:xfrm>
-        </p:spPr>
-        <p:txBody>
-          <a:bodyPr>
-            <a:normAutofit/>
-          </a:bodyPr>
-          <a:lstStyle/>
-          <a:p>
-            <a:r>
-              <a:rPr lang="en-US" altLang="zh-TW" sz="4800" dirty="0" smtClean="0"/>
-              <a:t>(b)</a:t>
-            </a:r>
-            <a:r>
-              <a:rPr lang="zh-TW" altLang="en-US" sz="4800" dirty="0"/>
-              <a:t> </a:t>
-            </a:r>
-            <a:r>
-              <a:rPr lang="en-US" altLang="zh-TW" sz="4800" dirty="0" smtClean="0"/>
-              <a:t>Users </a:t>
-            </a:r>
-            <a:r>
-              <a:rPr lang="en-US" altLang="zh-TW" sz="4800" dirty="0"/>
-              <a:t>and tasks</a:t>
-            </a:r>
-            <a:endParaRPr lang="zh-TW" altLang="en-US" sz="4800" dirty="0"/>
-          </a:p>
-        </p:txBody>
-      </p:sp>
-      <p:sp>
-        <p:nvSpPr>
-          <p:cNvPr id="2" name="投影片編號版面配置區 1"/>
-          <p:cNvSpPr>
-            <a:spLocks noGrp="1"/>
-          </p:cNvSpPr>
-          <p:nvPr>
-            <p:ph type="sldNum" sz="quarter" idx="12"/>
-          </p:nvPr>
-        </p:nvSpPr>
-        <p:spPr/>
-        <p:txBody>
-          <a:bodyPr/>
-          <a:lstStyle/>
-          <a:p>
-            <a:fld id="{AC6D0D02-57A5-486F-A324-A4F87BF5029A}" type="slidenum">
-              <a:rPr lang="zh-TW" altLang="en-US" sz="1400" smtClean="0"/>
-              <a:t>3</a:t>
-            </a:fld>
-            <a:endParaRPr lang="zh-TW" altLang="en-US" sz="1400" dirty="0"/>
-          </a:p>
-        </p:txBody>
-      </p:sp>
-      <p:sp>
-        <p:nvSpPr>
-          <p:cNvPr id="3" name="橢圓 2"/>
-          <p:cNvSpPr/>
-          <p:nvPr/>
-        </p:nvSpPr>
-        <p:spPr>
-          <a:xfrm>
-            <a:off x="603152" y="4311655"/>
-            <a:ext cx="1705708" cy="888053"/>
-          </a:xfrm>
-          <a:prstGeom prst="ellipse">
+          <a:prstGeom prst="straightConnector1">
             <a:avLst/>
           </a:prstGeom>
+          <a:ln>
+            <a:solidFill>
+              <a:schemeClr val="tx1"/>
+            </a:solidFill>
+            <a:tailEnd type="triangle"/>
+          </a:ln>
         </p:spPr>
         <p:style>
-          <a:lnRef idx="2">
-            <a:schemeClr val="accent1">
-              <a:shade val="50000"/>
-            </a:schemeClr>
+          <a:lnRef idx="1">
+            <a:schemeClr val="accent1"/>
           </a:lnRef>
-          <a:fillRef idx="1">
+          <a:fillRef idx="0">
             <a:schemeClr val="accent1"/>
           </a:fillRef>
           <a:effectRef idx="0">
             <a:schemeClr val="accent1"/>
           </a:effectRef>
           <a:fontRef idx="minor">
-            <a:schemeClr val="lt1"/>
+            <a:schemeClr val="tx1"/>
           </a:fontRef>
         </p:style>
-        <p:txBody>
-          <a:bodyPr rtlCol="0" anchor="ctr"/>
-          <a:lstStyle/>
-          <a:p>
-            <a:pPr algn="ctr"/>
-            <a:r>
-              <a:rPr lang="zh-TW" altLang="en-US" dirty="0" smtClean="0"/>
-              <a:t>小算盤</a:t>
-            </a:r>
-            <a:endParaRPr lang="zh-TW" altLang="en-US" dirty="0"/>
-          </a:p>
-        </p:txBody>
-      </p:sp>
-      <p:sp>
-        <p:nvSpPr>
-          <p:cNvPr id="4" name="橢圓 3"/>
-          <p:cNvSpPr/>
+      </p:cxnSp>
+      <p:cxnSp>
+        <p:nvCxnSpPr>
+          <p:cNvPr id="124" name="直線單箭頭接點 123"/>
+          <p:cNvCxnSpPr>
+            <a:stCxn id="16" idx="3"/>
+            <a:endCxn id="73" idx="2"/>
+          </p:cNvCxnSpPr>
           <p:nvPr/>
-        </p:nvSpPr>
+        </p:nvCxnSpPr>
         <p:spPr>
           <a:xfrm>
-            <a:off x="1072663" y="5716085"/>
-            <a:ext cx="1670538" cy="772638"/>
+            <a:off x="2333763" y="3716613"/>
+            <a:ext cx="2132730" cy="2203492"/>
           </a:xfrm>
-          <a:prstGeom prst="ellipse">
+          <a:prstGeom prst="straightConnector1">
             <a:avLst/>
           </a:prstGeom>
+          <a:ln>
+            <a:solidFill>
+              <a:schemeClr val="tx1"/>
+            </a:solidFill>
+            <a:tailEnd type="triangle"/>
+          </a:ln>
         </p:spPr>
         <p:style>
-          <a:lnRef idx="2">
-            <a:schemeClr val="accent1">
-              <a:shade val="50000"/>
-            </a:schemeClr>
+          <a:lnRef idx="1">
+            <a:schemeClr val="accent1"/>
           </a:lnRef>
-          <a:fillRef idx="1">
+          <a:fillRef idx="0">
             <a:schemeClr val="accent1"/>
           </a:fillRef>
           <a:effectRef idx="0">
             <a:schemeClr val="accent1"/>
           </a:effectRef>
           <a:fontRef idx="minor">
-            <a:schemeClr val="lt1"/>
+            <a:schemeClr val="tx1"/>
           </a:fontRef>
         </p:style>
-        <p:txBody>
-          <a:bodyPr rtlCol="0" anchor="ctr"/>
-          <a:lstStyle/>
-          <a:p>
-            <a:pPr algn="ctr"/>
-            <a:r>
-              <a:rPr lang="zh-TW" altLang="en-US" dirty="0" smtClean="0"/>
-              <a:t>數據清除</a:t>
-            </a:r>
-            <a:endParaRPr lang="zh-TW" altLang="en-US" dirty="0"/>
-          </a:p>
-        </p:txBody>
-      </p:sp>
-      <p:sp>
-        <p:nvSpPr>
-          <p:cNvPr id="15" name="橢圓 14"/>
-          <p:cNvSpPr/>
+      </p:cxnSp>
+      <p:cxnSp>
+        <p:nvCxnSpPr>
+          <p:cNvPr id="126" name="直線單箭頭接點 125"/>
+          <p:cNvCxnSpPr>
+            <a:stCxn id="16" idx="3"/>
+            <a:endCxn id="74" idx="2"/>
+          </p:cNvCxnSpPr>
           <p:nvPr/>
-        </p:nvSpPr>
+        </p:nvCxnSpPr>
         <p:spPr>
           <a:xfrm>
-            <a:off x="2945423" y="4680987"/>
-            <a:ext cx="1872762" cy="708698"/>
+            <a:off x="2333763" y="3716613"/>
+            <a:ext cx="2132730" cy="2672600"/>
           </a:xfrm>
-          <a:prstGeom prst="ellipse">
+          <a:prstGeom prst="straightConnector1">
             <a:avLst/>
           </a:prstGeom>
+          <a:ln>
+            <a:solidFill>
+              <a:schemeClr val="tx1"/>
+            </a:solidFill>
+            <a:tailEnd type="triangle"/>
+          </a:ln>
         </p:spPr>
         <p:style>
-          <a:lnRef idx="2">
-            <a:schemeClr val="accent1">
-              <a:shade val="50000"/>
-            </a:schemeClr>
+          <a:lnRef idx="1">
+            <a:schemeClr val="accent1"/>
           </a:lnRef>
-          <a:fillRef idx="1">
+          <a:fillRef idx="0">
             <a:schemeClr val="accent1"/>
           </a:fillRef>
           <a:effectRef idx="0">
             <a:schemeClr val="accent1"/>
           </a:effectRef>
           <a:fontRef idx="minor">
-            <a:schemeClr val="lt1"/>
+            <a:schemeClr val="tx1"/>
           </a:fontRef>
         </p:style>
-        <p:txBody>
-          <a:bodyPr rtlCol="0" anchor="ctr"/>
-          <a:lstStyle/>
-          <a:p>
-            <a:pPr algn="ctr"/>
-            <a:r>
-              <a:rPr lang="zh-TW" altLang="en-US" dirty="0" smtClean="0"/>
-              <a:t>幣別轉換</a:t>
-            </a:r>
-            <a:endParaRPr lang="zh-TW" altLang="en-US" dirty="0"/>
-          </a:p>
-        </p:txBody>
-      </p:sp>
-      <p:sp>
-        <p:nvSpPr>
-          <p:cNvPr id="19" name="橢圓 18"/>
+      </p:cxnSp>
+      <p:sp>
+        <p:nvSpPr>
+          <p:cNvPr id="127" name="矩形 126"/>
           <p:cNvSpPr/>
           <p:nvPr/>
         </p:nvSpPr>
         <p:spPr>
           <a:xfrm>
-            <a:off x="3714178" y="5611409"/>
-            <a:ext cx="1680781" cy="877314"/>
+            <a:off x="10225277" y="6220474"/>
+            <a:ext cx="972382" cy="369332"/>
           </a:xfrm>
-          <a:prstGeom prst="ellipse">
+          <a:prstGeom prst="rect">
             <a:avLst/>
           </a:prstGeom>
         </p:spPr>
-        <p:style>
-          <a:lnRef idx="2">
-            <a:schemeClr val="accent1">
-              <a:shade val="50000"/>
-            </a:schemeClr>
-          </a:lnRef>
-          <a:fillRef idx="1">
-            <a:schemeClr val="accent1"/>
-          </a:fillRef>
-          <a:effectRef idx="0">
-            <a:schemeClr val="accent1"/>
-          </a:effectRef>
-          <a:fontRef idx="minor">
-            <a:schemeClr val="lt1"/>
-          </a:fontRef>
-        </p:style>
-        <p:txBody>
-          <a:bodyPr rtlCol="0" anchor="ctr"/>
+        <p:txBody>
+          <a:bodyPr wrap="none">
+            <a:spAutoFit/>
+          </a:bodyPr>
           <a:lstStyle/>
           <a:p>
-            <a:pPr algn="ctr"/>
-            <a:r>
-              <a:rPr lang="zh-TW" altLang="en-US" dirty="0" smtClean="0"/>
-              <a:t>主題</a:t>
-            </a:r>
-            <a:r>
-              <a:rPr lang="en-US" altLang="zh-TW" dirty="0" smtClean="0"/>
-              <a:t>(</a:t>
-            </a:r>
-            <a:r>
-              <a:rPr lang="zh-TW" altLang="en-US" dirty="0" smtClean="0"/>
-              <a:t>顏色</a:t>
-            </a:r>
-            <a:r>
-              <a:rPr lang="en-US" altLang="zh-TW" dirty="0" smtClean="0"/>
-              <a:t>)</a:t>
+            <a:r>
+              <a:rPr lang="en-US" altLang="zh-TW" dirty="0"/>
+              <a:t>BY</a:t>
+            </a:r>
+            <a:r>
+              <a:rPr lang="zh-TW" altLang="en-US" dirty="0"/>
+              <a:t> 瑀婕</a:t>
             </a:r>
             <a:endParaRPr lang="zh-TW" altLang="en-US" dirty="0"/>
           </a:p>
@@ -8019,6 +8933,99 @@
           <a:chExt cx="0" cy="0"/>
         </a:xfrm>
       </p:grpSpPr>
+      <p:sp>
+        <p:nvSpPr>
+          <p:cNvPr id="4" name="投影片編號版面配置區 3"/>
+          <p:cNvSpPr>
+            <a:spLocks noGrp="1"/>
+          </p:cNvSpPr>
+          <p:nvPr>
+            <p:ph type="sldNum" sz="quarter" idx="12"/>
+          </p:nvPr>
+        </p:nvSpPr>
+        <p:spPr/>
+        <p:txBody>
+          <a:bodyPr/>
+          <a:lstStyle/>
+          <a:p>
+            <a:fld id="{AC6D0D02-57A5-486F-A324-A4F87BF5029A}" type="slidenum">
+              <a:rPr lang="zh-TW" altLang="en-US" smtClean="0"/>
+              <a:t>4</a:t>
+            </a:fld>
+            <a:endParaRPr lang="zh-TW" altLang="en-US"/>
+          </a:p>
+        </p:txBody>
+      </p:sp>
+      <p:sp>
+        <p:nvSpPr>
+          <p:cNvPr id="8" name="文字方塊 7"/>
+          <p:cNvSpPr txBox="1"/>
+          <p:nvPr/>
+        </p:nvSpPr>
+        <p:spPr>
+          <a:xfrm>
+            <a:off x="10462846" y="6221821"/>
+            <a:ext cx="1459523" cy="369332"/>
+          </a:xfrm>
+          <a:prstGeom prst="rect">
+            <a:avLst/>
+          </a:prstGeom>
+          <a:noFill/>
+        </p:spPr>
+        <p:txBody>
+          <a:bodyPr wrap="square" rtlCol="0">
+            <a:spAutoFit/>
+          </a:bodyPr>
+          <a:lstStyle/>
+          <a:p>
+            <a:r>
+              <a:rPr lang="en-US" altLang="zh-TW" dirty="0" smtClean="0"/>
+              <a:t>BY</a:t>
+            </a:r>
+            <a:r>
+              <a:rPr lang="zh-TW" altLang="en-US" dirty="0" smtClean="0"/>
+              <a:t> 伯冠</a:t>
+            </a:r>
+            <a:endParaRPr lang="zh-TW" altLang="en-US" dirty="0"/>
+          </a:p>
+        </p:txBody>
+      </p:sp>
+      <p:sp>
+        <p:nvSpPr>
+          <p:cNvPr id="2" name="標題 1"/>
+          <p:cNvSpPr>
+            <a:spLocks noGrp="1"/>
+          </p:cNvSpPr>
+          <p:nvPr>
+            <p:ph type="title"/>
+          </p:nvPr>
+        </p:nvSpPr>
+        <p:spPr>
+          <a:xfrm>
+            <a:off x="589411" y="548054"/>
+            <a:ext cx="8596668" cy="1320800"/>
+          </a:xfrm>
+        </p:spPr>
+        <p:txBody>
+          <a:bodyPr/>
+          <a:lstStyle/>
+          <a:p>
+            <a:r>
+              <a:rPr lang="en-US" altLang="zh-TW" dirty="0" smtClean="0"/>
+              <a:t>(c)</a:t>
+            </a:r>
+            <a:r>
+              <a:rPr lang="zh-TW" altLang="en-US" dirty="0" smtClean="0"/>
+              <a:t> </a:t>
+            </a:r>
+            <a:r>
+              <a:rPr lang="en-US" altLang="zh-TW" dirty="0" smtClean="0"/>
+              <a:t>Class diagram</a:t>
+            </a:r>
+            <a:endParaRPr lang="zh-TW" altLang="en-US" dirty="0"/>
+          </a:p>
+        </p:txBody>
+      </p:sp>
       <p:pic>
         <p:nvPicPr>
           <p:cNvPr id="5" name="內容版面配置區 4"/>
@@ -8030,7 +9037,7 @@
           </p:nvPr>
         </p:nvPicPr>
         <p:blipFill>
-          <a:blip r:embed="rId2">
+          <a:blip r:embed="rId2" cstate="print">
             <a:extLst>
               <a:ext uri="{28A0092B-C50C-407E-A947-70E740481C1C}">
                 <a14:useLocalDpi xmlns:a14="http://schemas.microsoft.com/office/drawing/2010/main" val="0"/>
@@ -8043,105 +9050,28 @@
         </p:blipFill>
         <p:spPr>
           <a:xfrm>
-            <a:off x="878999" y="993532"/>
-            <a:ext cx="9159806" cy="5732584"/>
+            <a:off x="4281855" y="9324"/>
+            <a:ext cx="6035424" cy="6848676"/>
           </a:xfrm>
         </p:spPr>
       </p:pic>
-      <p:sp>
-        <p:nvSpPr>
-          <p:cNvPr id="4" name="投影片編號版面配置區 3"/>
-          <p:cNvSpPr>
-            <a:spLocks noGrp="1"/>
-          </p:cNvSpPr>
-          <p:nvPr>
-            <p:ph type="sldNum" sz="quarter" idx="12"/>
-          </p:nvPr>
-        </p:nvSpPr>
-        <p:spPr/>
-        <p:txBody>
-          <a:bodyPr/>
-          <a:lstStyle/>
-          <a:p>
-            <a:fld id="{AC6D0D02-57A5-486F-A324-A4F87BF5029A}" type="slidenum">
-              <a:rPr lang="zh-TW" altLang="en-US" smtClean="0"/>
-              <a:t>4</a:t>
-            </a:fld>
-            <a:endParaRPr lang="zh-TW" altLang="en-US"/>
-          </a:p>
-        </p:txBody>
-      </p:sp>
-      <p:sp>
-        <p:nvSpPr>
-          <p:cNvPr id="6" name="文字方塊 5"/>
-          <p:cNvSpPr txBox="1"/>
-          <p:nvPr/>
-        </p:nvSpPr>
-        <p:spPr>
-          <a:xfrm>
-            <a:off x="10462846" y="6221821"/>
-            <a:ext cx="1459523" cy="369332"/>
-          </a:xfrm>
-          <a:prstGeom prst="rect">
-            <a:avLst/>
-          </a:prstGeom>
-          <a:noFill/>
-        </p:spPr>
-        <p:txBody>
-          <a:bodyPr wrap="square" rtlCol="0">
-            <a:spAutoFit/>
-          </a:bodyPr>
-          <a:lstStyle/>
-          <a:p>
-            <a:r>
-              <a:rPr lang="en-US" altLang="zh-TW" dirty="0" smtClean="0"/>
-              <a:t>BY</a:t>
-            </a:r>
-            <a:r>
-              <a:rPr lang="zh-TW" altLang="en-US" dirty="0" smtClean="0"/>
-              <a:t> 孟瑾</a:t>
-            </a:r>
-            <a:endParaRPr lang="zh-TW" altLang="en-US" dirty="0"/>
-          </a:p>
-        </p:txBody>
-      </p:sp>
-      <p:sp>
-        <p:nvSpPr>
-          <p:cNvPr id="2" name="標題 1"/>
-          <p:cNvSpPr>
-            <a:spLocks noGrp="1"/>
-          </p:cNvSpPr>
-          <p:nvPr>
-            <p:ph type="title"/>
-          </p:nvPr>
-        </p:nvSpPr>
-        <p:spPr/>
-        <p:txBody>
-          <a:bodyPr/>
-          <a:lstStyle/>
-          <a:p>
-            <a:r>
-              <a:rPr lang="en-US" altLang="zh-TW" dirty="0"/>
-              <a:t>(c) </a:t>
-            </a:r>
-            <a:r>
-              <a:rPr lang="en-US" altLang="zh-TW" dirty="0" smtClean="0"/>
-              <a:t>Activity diagram </a:t>
-            </a:r>
-            <a:endParaRPr lang="zh-TW" altLang="en-US" dirty="0"/>
-          </a:p>
-        </p:txBody>
-      </p:sp>
     </p:spTree>
     <p:extLst>
       <p:ext uri="{BB962C8B-B14F-4D97-AF65-F5344CB8AC3E}">
-        <p14:creationId xmlns:p14="http://schemas.microsoft.com/office/powerpoint/2010/main" val="647634666"/>
+        <p14:creationId xmlns:p14="http://schemas.microsoft.com/office/powerpoint/2010/main" val="1173803106"/>
       </p:ext>
     </p:extLst>
   </p:cSld>
   <p:clrMapOvr>
     <a:masterClrMapping/>
   </p:clrMapOvr>
+  <p:timing>
+    <p:tnLst>
+      <p:par>
+        <p:cTn id="1" dur="indefinite" restart="never" nodeType="tmRoot"/>
+      </p:par>
+    </p:tnLst>
+  </p:timing>
 </p:sld>
 </file>
 
@@ -8172,30 +9102,27 @@
             <p:ph type="title"/>
           </p:nvPr>
         </p:nvSpPr>
-        <p:spPr/>
+        <p:spPr>
+          <a:xfrm>
+            <a:off x="184965" y="153565"/>
+            <a:ext cx="8596668" cy="1320800"/>
+          </a:xfrm>
+        </p:spPr>
         <p:txBody>
           <a:bodyPr/>
           <a:lstStyle/>
           <a:p>
             <a:r>
+              <a:rPr lang="en-US" altLang="zh-TW" dirty="0" smtClean="0"/>
+              <a:t>(</a:t>
+            </a:r>
+            <a:r>
               <a:rPr lang="en-US" altLang="zh-TW" dirty="0"/>
-              <a:t>(</a:t>
+              <a:t>d) Design </a:t>
             </a:r>
             <a:r>
               <a:rPr lang="en-US" altLang="zh-TW" dirty="0" smtClean="0"/>
-              <a:t>d)</a:t>
-            </a:r>
-            <a:r>
-              <a:rPr lang="zh-TW" altLang="en-US" dirty="0" smtClean="0"/>
-              <a:t> </a:t>
-            </a:r>
-            <a:r>
-              <a:rPr lang="en-US" altLang="zh-TW" dirty="0" smtClean="0"/>
-              <a:t>Architecture </a:t>
-            </a:r>
-            <a:r>
-              <a:rPr lang="en-US" altLang="zh-TW" dirty="0"/>
-              <a:t>diagram</a:t>
+              <a:t>pattern-Adapter</a:t>
             </a:r>
             <a:endParaRPr lang="zh-TW" altLang="en-US" dirty="0"/>
           </a:p>
@@ -8203,7 +9130,7 @@
       </p:sp>
       <p:pic>
         <p:nvPicPr>
-          <p:cNvPr id="6" name="內容版面配置區 5"/>
+          <p:cNvPr id="5" name="內容版面配置區 4"/>
           <p:cNvPicPr>
             <a:picLocks noGrp="1" noChangeAspect="1"/>
           </p:cNvPicPr>
@@ -8225,8 +9152,8 @@
         </p:blipFill>
         <p:spPr>
           <a:xfrm>
-            <a:off x="2179714" y="1250643"/>
-            <a:ext cx="5591908" cy="5470477"/>
+            <a:off x="2180493" y="731129"/>
+            <a:ext cx="5474676" cy="6021364"/>
           </a:xfrm>
         </p:spPr>
       </p:pic>
@@ -8255,7 +9182,7 @@
       </p:sp>
       <p:sp>
         <p:nvSpPr>
-          <p:cNvPr id="5" name="文字方塊 4"/>
+          <p:cNvPr id="6" name="文字方塊 5"/>
           <p:cNvSpPr txBox="1"/>
           <p:nvPr/>
         </p:nvSpPr>
@@ -8281,7 +9208,15 @@
             </a:r>
             <a:r>
               <a:rPr lang="zh-TW" altLang="en-US" dirty="0" smtClean="0"/>
-              <a:t> 庭與</a:t>
+              <a:t> </a:t>
+            </a:r>
+            <a:r>
+              <a:rPr lang="zh-TW" altLang="en-US" dirty="0"/>
+              <a:t>庭</a:t>
+            </a:r>
+            <a:r>
+              <a:rPr lang="zh-TW" altLang="en-US" dirty="0" smtClean="0"/>
+              <a:t>與</a:t>
             </a:r>
             <a:endParaRPr lang="zh-TW" altLang="en-US" dirty="0"/>
           </a:p>
@@ -8290,13 +9225,20 @@
     </p:spTree>
     <p:extLst>
       <p:ext uri="{BB962C8B-B14F-4D97-AF65-F5344CB8AC3E}">
-        <p14:creationId xmlns:p14="http://schemas.microsoft.com/office/powerpoint/2010/main" val="1650505463"/>
+        <p14:creationId xmlns:p14="http://schemas.microsoft.com/office/powerpoint/2010/main" val="1378139133"/>
       </p:ext>
     </p:extLst>
   </p:cSld>
   <p:clrMapOvr>
     <a:masterClrMapping/>
   </p:clrMapOvr>
+  <p:timing>
+    <p:tnLst>
+      <p:par>
+        <p:cTn id="1" dur="indefinite" restart="never" nodeType="tmRoot"/>
+      </p:par>
+    </p:tnLst>
+  </p:timing>
 </p:sld>
 </file>
 
@@ -8327,145 +9269,61 @@
             <p:ph type="title"/>
           </p:nvPr>
         </p:nvSpPr>
-        <p:spPr/>
+        <p:spPr>
+          <a:xfrm>
+            <a:off x="184965" y="153565"/>
+            <a:ext cx="8596668" cy="1320800"/>
+          </a:xfrm>
+        </p:spPr>
         <p:txBody>
           <a:bodyPr/>
           <a:lstStyle/>
           <a:p>
             <a:r>
+              <a:rPr lang="en-US" altLang="zh-TW" dirty="0" smtClean="0"/>
+              <a:t>(</a:t>
+            </a:r>
+            <a:r>
               <a:rPr lang="en-US" altLang="zh-TW" dirty="0"/>
-              <a:t>(</a:t>
+              <a:t>d) Design </a:t>
             </a:r>
             <a:r>
               <a:rPr lang="en-US" altLang="zh-TW" dirty="0" smtClean="0"/>
-              <a:t>e)</a:t>
-            </a:r>
-            <a:r>
-              <a:rPr lang="zh-TW" altLang="en-US" dirty="0" smtClean="0"/>
-              <a:t> </a:t>
-            </a:r>
-            <a:r>
-              <a:rPr lang="en-US" altLang="zh-TW" dirty="0" smtClean="0"/>
-              <a:t>Data </a:t>
-            </a:r>
-            <a:r>
-              <a:rPr lang="en-US" altLang="zh-TW" dirty="0"/>
-              <a:t>storage</a:t>
+              <a:t>pattern-Factory</a:t>
             </a:r>
             <a:endParaRPr lang="zh-TW" altLang="en-US" dirty="0"/>
           </a:p>
         </p:txBody>
       </p:sp>
-      <p:sp>
-        <p:nvSpPr>
-          <p:cNvPr id="3" name="內容版面配置區 2"/>
-          <p:cNvSpPr>
-            <a:spLocks noGrp="1"/>
-          </p:cNvSpPr>
+      <p:pic>
+        <p:nvPicPr>
+          <p:cNvPr id="5" name="內容版面配置區 4"/>
+          <p:cNvPicPr>
+            <a:picLocks noGrp="1" noChangeAspect="1"/>
+          </p:cNvPicPr>
           <p:nvPr>
             <p:ph idx="1"/>
           </p:nvPr>
-        </p:nvSpPr>
-        <p:spPr/>
-        <p:txBody>
-          <a:bodyPr/>
-          <a:lstStyle/>
-          <a:p>
-            <a:r>
-              <a:rPr lang="zh-TW" altLang="en-US" dirty="0"/>
-              <a:t>資料以什麼方式儲存、存在哪、描述該類別在執行時會怎麼做？ </a:t>
-            </a:r>
-            <a:endParaRPr lang="en-US" altLang="zh-TW" dirty="0" smtClean="0"/>
-          </a:p>
-          <a:p>
-            <a:r>
-              <a:rPr lang="en-US" altLang="zh-TW" dirty="0" smtClean="0"/>
-              <a:t>1</a:t>
-            </a:r>
-            <a:r>
-              <a:rPr lang="en-US" altLang="zh-TW" dirty="0"/>
-              <a:t>. </a:t>
-            </a:r>
-            <a:r>
-              <a:rPr lang="zh-TW" altLang="en-US" dirty="0"/>
-              <a:t>資料以</a:t>
-            </a:r>
-            <a:r>
-              <a:rPr lang="en-US" altLang="zh-TW" dirty="0" err="1"/>
-              <a:t>sqlite</a:t>
-            </a:r>
-            <a:r>
-              <a:rPr lang="zh-TW" altLang="en-US" dirty="0" smtClean="0"/>
-              <a:t>儲存</a:t>
-            </a:r>
-            <a:endParaRPr lang="en-US" altLang="zh-TW" dirty="0"/>
-          </a:p>
-          <a:p>
-            <a:r>
-              <a:rPr lang="en-US" altLang="zh-TW" dirty="0" smtClean="0"/>
-              <a:t>2</a:t>
-            </a:r>
-            <a:r>
-              <a:rPr lang="en-US" altLang="zh-TW" dirty="0"/>
-              <a:t>. </a:t>
-            </a:r>
-            <a:r>
-              <a:rPr lang="zh-TW" altLang="en-US" dirty="0"/>
-              <a:t>匯出以</a:t>
-            </a:r>
-            <a:r>
-              <a:rPr lang="en-US" altLang="zh-TW" dirty="0"/>
-              <a:t>csv</a:t>
-            </a:r>
-            <a:r>
-              <a:rPr lang="zh-TW" altLang="en-US" dirty="0" smtClean="0"/>
-              <a:t>格式</a:t>
-            </a:r>
-            <a:endParaRPr lang="en-US" altLang="zh-TW" dirty="0"/>
-          </a:p>
-          <a:p>
-            <a:r>
-              <a:rPr lang="en-US" altLang="zh-TW" dirty="0" smtClean="0"/>
-              <a:t>3</a:t>
-            </a:r>
-            <a:r>
-              <a:rPr lang="en-US" altLang="zh-TW" dirty="0"/>
-              <a:t>. </a:t>
-            </a:r>
-            <a:r>
-              <a:rPr lang="zh-TW" altLang="en-US" dirty="0"/>
-              <a:t>該類別目前以靜態類別實做，直接寫好存取的程式，要用的類別可直接</a:t>
-            </a:r>
-            <a:r>
-              <a:rPr lang="zh-TW" altLang="en-US" dirty="0" smtClean="0"/>
-              <a:t>使用</a:t>
-            </a:r>
-            <a:endParaRPr lang="en-US" altLang="zh-TW" dirty="0" smtClean="0"/>
-          </a:p>
-          <a:p>
-            <a:r>
-              <a:rPr lang="en-US" altLang="zh-TW" dirty="0" smtClean="0"/>
-              <a:t>4</a:t>
-            </a:r>
-            <a:r>
-              <a:rPr lang="en-US" altLang="zh-TW" dirty="0"/>
-              <a:t>. </a:t>
-            </a:r>
-            <a:r>
-              <a:rPr lang="zh-TW" altLang="en-US" dirty="0"/>
-              <a:t>目前不知道</a:t>
-            </a:r>
-            <a:r>
-              <a:rPr lang="en-US" altLang="zh-TW" dirty="0"/>
-              <a:t>app</a:t>
-            </a:r>
-            <a:r>
-              <a:rPr lang="zh-TW" altLang="en-US" dirty="0"/>
-              <a:t>的目錄結構，所以不知道要存在哪</a:t>
-            </a:r>
-          </a:p>
-        </p:txBody>
-      </p:sp>
+        </p:nvPicPr>
+        <p:blipFill>
+          <a:blip r:embed="rId2">
+            <a:extLst>
+              <a:ext uri="{28A0092B-C50C-407E-A947-70E740481C1C}">
+                <a14:useLocalDpi xmlns:a14="http://schemas.microsoft.com/office/drawing/2010/main" val="0"/>
+              </a:ext>
+            </a:extLst>
+          </a:blip>
+          <a:stretch>
+            <a:fillRect/>
+          </a:stretch>
+        </p:blipFill>
+        <p:spPr>
+          <a:xfrm>
+            <a:off x="442701" y="1474365"/>
+            <a:ext cx="11490418" cy="3695512"/>
+          </a:xfrm>
+        </p:spPr>
+      </p:pic>
       <p:sp>
         <p:nvSpPr>
           <p:cNvPr id="4" name="投影片編號版面配置區 3"/>
@@ -8491,7 +9349,7 @@
       </p:sp>
       <p:sp>
         <p:nvSpPr>
-          <p:cNvPr id="5" name="文字方塊 4"/>
+          <p:cNvPr id="6" name="文字方塊 5"/>
           <p:cNvSpPr txBox="1"/>
           <p:nvPr/>
         </p:nvSpPr>
@@ -8517,7 +9375,11 @@
             </a:r>
             <a:r>
               <a:rPr lang="zh-TW" altLang="en-US" dirty="0" smtClean="0"/>
-              <a:t> 孟瑾</a:t>
+              <a:t> </a:t>
+            </a:r>
+            <a:r>
+              <a:rPr lang="zh-TW" altLang="en-US" dirty="0" smtClean="0"/>
+              <a:t>孟瑾</a:t>
             </a:r>
             <a:endParaRPr lang="zh-TW" altLang="en-US" dirty="0"/>
           </a:p>
@@ -8526,13 +9388,20 @@
     </p:spTree>
     <p:extLst>
       <p:ext uri="{BB962C8B-B14F-4D97-AF65-F5344CB8AC3E}">
-        <p14:creationId xmlns:p14="http://schemas.microsoft.com/office/powerpoint/2010/main" val="2499450337"/>
+        <p14:creationId xmlns:p14="http://schemas.microsoft.com/office/powerpoint/2010/main" val="590131152"/>
       </p:ext>
     </p:extLst>
   </p:cSld>
   <p:clrMapOvr>
     <a:masterClrMapping/>
   </p:clrMapOvr>
+  <p:timing>
+    <p:tnLst>
+      <p:par>
+        <p:cTn id="1" dur="indefinite" restart="never" nodeType="tmRoot"/>
+      </p:par>
+    </p:tnLst>
+  </p:timing>
 </p:sld>
 </file>
 
@@ -8570,15 +9439,7 @@
           <a:p>
             <a:r>
               <a:rPr lang="en-US" altLang="zh-TW" dirty="0"/>
-              <a:t>(f) </a:t>
-            </a:r>
-            <a:r>
-              <a:rPr lang="en-US" altLang="zh-TW" dirty="0" smtClean="0"/>
-              <a:t>UI </a:t>
-            </a:r>
-            <a:r>
-              <a:rPr lang="en-US" altLang="zh-TW" dirty="0"/>
-              <a:t>mockups</a:t>
+              <a:t>(e) Plans for last iteration</a:t>
             </a:r>
             <a:endParaRPr lang="zh-TW" altLang="en-US" dirty="0"/>
           </a:p>
@@ -8599,7 +9460,84 @@
           <a:bodyPr/>
           <a:lstStyle/>
           <a:p>
-            <a:endParaRPr lang="zh-TW" altLang="en-US"/>
+            <a:r>
+              <a:rPr lang="zh-TW" altLang="en-US" dirty="0" smtClean="0"/>
+              <a:t>依序個人分配工作，製作好</a:t>
+            </a:r>
+            <a:r>
+              <a:rPr lang="en-US" altLang="zh-TW" dirty="0" smtClean="0"/>
+              <a:t>APP</a:t>
+            </a:r>
+            <a:r>
+              <a:rPr lang="zh-TW" altLang="en-US" dirty="0" smtClean="0"/>
+              <a:t>。</a:t>
+            </a:r>
+            <a:r>
+              <a:rPr lang="en-US" altLang="zh-TW" dirty="0" smtClean="0"/>
+              <a:t>(8</a:t>
+            </a:r>
+            <a:r>
+              <a:rPr lang="zh-TW" altLang="en-US" dirty="0" smtClean="0"/>
+              <a:t>個</a:t>
+            </a:r>
+            <a:r>
+              <a:rPr lang="en-US" altLang="zh-TW" dirty="0" smtClean="0"/>
+              <a:t>Use Cases</a:t>
+            </a:r>
+            <a:r>
+              <a:rPr lang="zh-TW" altLang="en-US" dirty="0" smtClean="0"/>
+              <a:t>以上</a:t>
+            </a:r>
+            <a:r>
+              <a:rPr lang="en-US" altLang="zh-TW" dirty="0" smtClean="0"/>
+              <a:t>)</a:t>
+            </a:r>
+          </a:p>
+          <a:p>
+            <a:r>
+              <a:rPr lang="zh-TW" altLang="en-US" dirty="0" smtClean="0"/>
+              <a:t>製作</a:t>
+            </a:r>
+            <a:r>
+              <a:rPr lang="en-US" altLang="zh-TW" dirty="0" smtClean="0"/>
+              <a:t>PPT(7</a:t>
+            </a:r>
+            <a:r>
+              <a:rPr lang="zh-TW" altLang="en-US" dirty="0" smtClean="0"/>
+              <a:t>分鐘</a:t>
+            </a:r>
+            <a:r>
+              <a:rPr lang="en-US" altLang="zh-TW" dirty="0" smtClean="0"/>
+              <a:t>)</a:t>
+            </a:r>
+            <a:r>
+              <a:rPr lang="zh-TW" altLang="en-US" dirty="0" smtClean="0"/>
+              <a:t>。</a:t>
+            </a:r>
+            <a:endParaRPr lang="en-US" altLang="zh-TW" dirty="0" smtClean="0"/>
+          </a:p>
+          <a:p>
+            <a:r>
+              <a:rPr lang="zh-TW" altLang="en-US" dirty="0" smtClean="0"/>
+              <a:t>錄製</a:t>
+            </a:r>
+            <a:r>
+              <a:rPr lang="en-US" altLang="zh-TW" dirty="0" smtClean="0"/>
+              <a:t>3</a:t>
+            </a:r>
+            <a:r>
+              <a:rPr lang="zh-TW" altLang="en-US" dirty="0" smtClean="0"/>
+              <a:t>分鐘</a:t>
+            </a:r>
+            <a:r>
+              <a:rPr lang="en-US" altLang="zh-TW" dirty="0" smtClean="0"/>
+              <a:t>DEMO</a:t>
+            </a:r>
+            <a:r>
+              <a:rPr lang="zh-TW" altLang="en-US" dirty="0" smtClean="0"/>
+              <a:t>影片。</a:t>
+            </a:r>
+            <a:endParaRPr lang="zh-TW" altLang="en-US" dirty="0"/>
           </a:p>
         </p:txBody>
       </p:sp>
@@ -8626,196 +9564,10 @@
           </a:p>
         </p:txBody>
       </p:sp>
-      <p:sp>
-        <p:nvSpPr>
-          <p:cNvPr id="5" name="文字方塊 4"/>
-          <p:cNvSpPr txBox="1"/>
-          <p:nvPr/>
-        </p:nvSpPr>
-        <p:spPr>
-          <a:xfrm>
-            <a:off x="10462846" y="6221821"/>
-            <a:ext cx="1459523" cy="369332"/>
-          </a:xfrm>
-          <a:prstGeom prst="rect">
-            <a:avLst/>
-          </a:prstGeom>
-          <a:noFill/>
-        </p:spPr>
-        <p:txBody>
-          <a:bodyPr wrap="square" rtlCol="0">
-            <a:spAutoFit/>
-          </a:bodyPr>
-          <a:lstStyle/>
-          <a:p>
-            <a:r>
-              <a:rPr lang="en-US" altLang="zh-TW" dirty="0" smtClean="0"/>
-              <a:t>BY</a:t>
-            </a:r>
-            <a:r>
-              <a:rPr lang="zh-TW" altLang="en-US" dirty="0" smtClean="0"/>
-              <a:t> 瑀婕</a:t>
-            </a:r>
-            <a:endParaRPr lang="zh-TW" altLang="en-US" dirty="0"/>
-          </a:p>
-        </p:txBody>
-      </p:sp>
     </p:spTree>
     <p:extLst>
       <p:ext uri="{BB962C8B-B14F-4D97-AF65-F5344CB8AC3E}">
-        <p14:creationId xmlns:p14="http://schemas.microsoft.com/office/powerpoint/2010/main" val="3716465174"/>
-      </p:ext>
-    </p:extLst>
-  </p:cSld>
-  <p:clrMapOvr>
-    <a:masterClrMapping/>
-  </p:clrMapOvr>
-</p:sld>
-</file>
-
-<file path=ppt/slides/slide8.xml><?xml version="1.0" encoding="utf-8"?>
-<p:sld xmlns:a="http://schemas.openxmlformats.org/drawingml/2006/main" xmlns:r="http://schemas.openxmlformats.org/officeDocument/2006/relationships" xmlns:p="http://schemas.openxmlformats.org/presentationml/2006/main">
-  <p:cSld>
-    <p:spTree>
-      <p:nvGrpSpPr>
-        <p:cNvPr id="1" name=""/>
-        <p:cNvGrpSpPr/>
-        <p:nvPr/>
-      </p:nvGrpSpPr>
-      <p:grpSpPr>
-        <a:xfrm>
-          <a:off x="0" y="0"/>
-          <a:ext cx="0" cy="0"/>
-          <a:chOff x="0" y="0"/>
-          <a:chExt cx="0" cy="0"/>
-        </a:xfrm>
-      </p:grpSpPr>
-      <p:sp>
-        <p:nvSpPr>
-          <p:cNvPr id="4" name="投影片編號版面配置區 3"/>
-          <p:cNvSpPr>
-            <a:spLocks noGrp="1"/>
-          </p:cNvSpPr>
-          <p:nvPr>
-            <p:ph type="sldNum" sz="quarter" idx="12"/>
-          </p:nvPr>
-        </p:nvSpPr>
-        <p:spPr/>
-        <p:txBody>
-          <a:bodyPr/>
-          <a:lstStyle/>
-          <a:p>
-            <a:fld id="{AC6D0D02-57A5-486F-A324-A4F87BF5029A}" type="slidenum">
-              <a:rPr lang="zh-TW" altLang="en-US" smtClean="0"/>
-              <a:t>8</a:t>
-            </a:fld>
-            <a:endParaRPr lang="zh-TW" altLang="en-US"/>
-          </a:p>
-        </p:txBody>
-      </p:sp>
-      <p:pic>
-        <p:nvPicPr>
-          <p:cNvPr id="7" name="內容版面配置區 6"/>
-          <p:cNvPicPr>
-            <a:picLocks noGrp="1" noChangeAspect="1"/>
-          </p:cNvPicPr>
-          <p:nvPr>
-            <p:ph idx="1"/>
-          </p:nvPr>
-        </p:nvPicPr>
-        <p:blipFill>
-          <a:blip r:embed="rId2" cstate="print">
-            <a:extLst>
-              <a:ext uri="{28A0092B-C50C-407E-A947-70E740481C1C}">
-                <a14:useLocalDpi xmlns:a14="http://schemas.microsoft.com/office/drawing/2010/main" val="0"/>
-              </a:ext>
-            </a:extLst>
-          </a:blip>
-          <a:stretch>
-            <a:fillRect/>
-          </a:stretch>
-        </p:blipFill>
-        <p:spPr>
-          <a:xfrm>
-            <a:off x="1234591" y="830385"/>
-            <a:ext cx="7951488" cy="6216507"/>
-          </a:xfrm>
-        </p:spPr>
-      </p:pic>
-      <p:sp>
-        <p:nvSpPr>
-          <p:cNvPr id="8" name="文字方塊 7"/>
-          <p:cNvSpPr txBox="1"/>
-          <p:nvPr/>
-        </p:nvSpPr>
-        <p:spPr>
-          <a:xfrm>
-            <a:off x="10462846" y="6221821"/>
-            <a:ext cx="1459523" cy="369332"/>
-          </a:xfrm>
-          <a:prstGeom prst="rect">
-            <a:avLst/>
-          </a:prstGeom>
-          <a:noFill/>
-        </p:spPr>
-        <p:txBody>
-          <a:bodyPr wrap="square" rtlCol="0">
-            <a:spAutoFit/>
-          </a:bodyPr>
-          <a:lstStyle/>
-          <a:p>
-            <a:r>
-              <a:rPr lang="en-US" altLang="zh-TW" dirty="0" smtClean="0"/>
-              <a:t>BY</a:t>
-            </a:r>
-            <a:r>
-              <a:rPr lang="zh-TW" altLang="en-US" dirty="0" smtClean="0"/>
-              <a:t> 伯冠</a:t>
-            </a:r>
-            <a:endParaRPr lang="zh-TW" altLang="en-US" dirty="0"/>
-          </a:p>
-        </p:txBody>
-      </p:sp>
-      <p:sp>
-        <p:nvSpPr>
-          <p:cNvPr id="2" name="標題 1"/>
-          <p:cNvSpPr>
-            <a:spLocks noGrp="1"/>
-          </p:cNvSpPr>
-          <p:nvPr>
-            <p:ph type="title"/>
-          </p:nvPr>
-        </p:nvSpPr>
-        <p:spPr>
-          <a:xfrm>
-            <a:off x="589411" y="548054"/>
-            <a:ext cx="8596668" cy="1320800"/>
-          </a:xfrm>
-        </p:spPr>
-        <p:txBody>
-          <a:bodyPr/>
-          <a:lstStyle/>
-          <a:p>
-            <a:r>
-              <a:rPr lang="en-US" altLang="zh-TW" dirty="0" smtClean="0"/>
-              <a:t>(g)</a:t>
-            </a:r>
-            <a:r>
-              <a:rPr lang="zh-TW" altLang="en-US" dirty="0" smtClean="0"/>
-              <a:t> </a:t>
-            </a:r>
-            <a:r>
-              <a:rPr lang="en-US" altLang="zh-TW" dirty="0" smtClean="0"/>
-              <a:t>Class diagram</a:t>
-            </a:r>
-            <a:endParaRPr lang="zh-TW" altLang="en-US" dirty="0"/>
-          </a:p>
-        </p:txBody>
-      </p:sp>
-    </p:spTree>
-    <p:extLst>
-      <p:ext uri="{BB962C8B-B14F-4D97-AF65-F5344CB8AC3E}">
-        <p14:creationId xmlns:p14="http://schemas.microsoft.com/office/powerpoint/2010/main" val="1173803106"/>
+        <p14:creationId xmlns:p14="http://schemas.microsoft.com/office/powerpoint/2010/main" val="2809506283"/>
       </p:ext>
     </p:extLst>
   </p:cSld>
